--- a/PPT/Discovering Non-Redundant K-means Clusteringd in Optimal Subspaces.pptx
+++ b/PPT/Discovering Non-Redundant K-means Clusteringd in Optimal Subspaces.pptx
@@ -193,7 +193,6 @@
           </a:p>
         </c:rich>
       </c:tx>
-      <c:layout/>
       <c:overlay val="0"/>
       <c:spPr>
         <a:noFill/>
@@ -305,11 +304,11 @@
         </c:dLbls>
         <c:marker val="1"/>
         <c:smooth val="0"/>
-        <c:axId val="-999244848"/>
-        <c:axId val="-999243488"/>
+        <c:axId val="-462123088"/>
+        <c:axId val="-998907760"/>
       </c:lineChart>
       <c:catAx>
-        <c:axId val="-999244848"/>
+        <c:axId val="-462123088"/>
         <c:scaling>
           <c:orientation val="minMax"/>
         </c:scaling>
@@ -351,7 +350,7 @@
             <a:endParaRPr lang="zh-CN"/>
           </a:p>
         </c:txPr>
-        <c:crossAx val="-999243488"/>
+        <c:crossAx val="-998907760"/>
         <c:crosses val="autoZero"/>
         <c:auto val="1"/>
         <c:lblAlgn val="ctr"/>
@@ -359,7 +358,7 @@
         <c:noMultiLvlLbl val="0"/>
       </c:catAx>
       <c:valAx>
-        <c:axId val="-999243488"/>
+        <c:axId val="-998907760"/>
         <c:scaling>
           <c:orientation val="minMax"/>
         </c:scaling>
@@ -396,7 +395,7 @@
             <a:endParaRPr lang="zh-CN"/>
           </a:p>
         </c:txPr>
-        <c:crossAx val="-999244848"/>
+        <c:crossAx val="-462123088"/>
         <c:crosses val="autoZero"/>
         <c:crossBetween val="between"/>
       </c:valAx>
@@ -476,7 +475,6 @@
           </a:p>
         </c:rich>
       </c:tx>
-      <c:layout/>
       <c:overlay val="0"/>
       <c:spPr>
         <a:noFill/>
@@ -588,11 +586,11 @@
         </c:dLbls>
         <c:marker val="1"/>
         <c:smooth val="0"/>
-        <c:axId val="-999134704"/>
-        <c:axId val="-999133072"/>
+        <c:axId val="-463539232"/>
+        <c:axId val="-463880784"/>
       </c:lineChart>
       <c:catAx>
-        <c:axId val="-999134704"/>
+        <c:axId val="-463539232"/>
         <c:scaling>
           <c:orientation val="minMax"/>
         </c:scaling>
@@ -634,7 +632,7 @@
             <a:endParaRPr lang="zh-CN"/>
           </a:p>
         </c:txPr>
-        <c:crossAx val="-999133072"/>
+        <c:crossAx val="-463880784"/>
         <c:crosses val="autoZero"/>
         <c:auto val="1"/>
         <c:lblAlgn val="ctr"/>
@@ -642,7 +640,7 @@
         <c:noMultiLvlLbl val="0"/>
       </c:catAx>
       <c:valAx>
-        <c:axId val="-999133072"/>
+        <c:axId val="-463880784"/>
         <c:scaling>
           <c:orientation val="minMax"/>
         </c:scaling>
@@ -679,7 +677,7 @@
             <a:endParaRPr lang="zh-CN"/>
           </a:p>
         </c:txPr>
-        <c:crossAx val="-999134704"/>
+        <c:crossAx val="-463539232"/>
         <c:crosses val="autoZero"/>
         <c:crossBetween val="between"/>
       </c:valAx>
@@ -759,7 +757,6 @@
           </a:p>
         </c:rich>
       </c:tx>
-      <c:layout/>
       <c:overlay val="0"/>
       <c:spPr>
         <a:noFill/>
@@ -871,11 +868,11 @@
         </c:dLbls>
         <c:marker val="1"/>
         <c:smooth val="0"/>
-        <c:axId val="-602902816"/>
-        <c:axId val="-602949728"/>
+        <c:axId val="-998330432"/>
+        <c:axId val="-998328384"/>
       </c:lineChart>
       <c:catAx>
-        <c:axId val="-602902816"/>
+        <c:axId val="-998330432"/>
         <c:scaling>
           <c:orientation val="minMax"/>
         </c:scaling>
@@ -917,7 +914,7 @@
             <a:endParaRPr lang="zh-CN"/>
           </a:p>
         </c:txPr>
-        <c:crossAx val="-602949728"/>
+        <c:crossAx val="-998328384"/>
         <c:crosses val="autoZero"/>
         <c:auto val="1"/>
         <c:lblAlgn val="ctr"/>
@@ -925,7 +922,7 @@
         <c:noMultiLvlLbl val="0"/>
       </c:catAx>
       <c:valAx>
-        <c:axId val="-602949728"/>
+        <c:axId val="-998328384"/>
         <c:scaling>
           <c:orientation val="minMax"/>
         </c:scaling>
@@ -962,7 +959,7 @@
             <a:endParaRPr lang="zh-CN"/>
           </a:p>
         </c:txPr>
-        <c:crossAx val="-602902816"/>
+        <c:crossAx val="-998330432"/>
         <c:crosses val="autoZero"/>
         <c:crossBetween val="between"/>
       </c:valAx>
@@ -1042,7 +1039,6 @@
           </a:p>
         </c:rich>
       </c:tx>
-      <c:layout/>
       <c:overlay val="0"/>
       <c:spPr>
         <a:noFill/>
@@ -1154,11 +1150,11 @@
         </c:dLbls>
         <c:marker val="1"/>
         <c:smooth val="0"/>
-        <c:axId val="-561238240"/>
-        <c:axId val="-561739792"/>
+        <c:axId val="-461745472"/>
+        <c:axId val="-461743424"/>
       </c:lineChart>
       <c:catAx>
-        <c:axId val="-561238240"/>
+        <c:axId val="-461745472"/>
         <c:scaling>
           <c:orientation val="minMax"/>
         </c:scaling>
@@ -1200,7 +1196,7 @@
             <a:endParaRPr lang="zh-CN"/>
           </a:p>
         </c:txPr>
-        <c:crossAx val="-561739792"/>
+        <c:crossAx val="-461743424"/>
         <c:crosses val="autoZero"/>
         <c:auto val="1"/>
         <c:lblAlgn val="ctr"/>
@@ -1208,7 +1204,7 @@
         <c:noMultiLvlLbl val="0"/>
       </c:catAx>
       <c:valAx>
-        <c:axId val="-561739792"/>
+        <c:axId val="-461743424"/>
         <c:scaling>
           <c:orientation val="minMax"/>
         </c:scaling>
@@ -1245,7 +1241,7 @@
             <a:endParaRPr lang="zh-CN"/>
           </a:p>
         </c:txPr>
-        <c:crossAx val="-561238240"/>
+        <c:crossAx val="-461745472"/>
         <c:crosses val="autoZero"/>
         <c:crossBetween val="between"/>
       </c:valAx>
@@ -1325,7 +1321,6 @@
           </a:p>
         </c:rich>
       </c:tx>
-      <c:layout/>
       <c:overlay val="0"/>
       <c:spPr>
         <a:noFill/>
@@ -1437,11 +1432,11 @@
         </c:dLbls>
         <c:marker val="1"/>
         <c:smooth val="0"/>
-        <c:axId val="-1001900928"/>
-        <c:axId val="-674231968"/>
+        <c:axId val="-464186464"/>
+        <c:axId val="-464002528"/>
       </c:lineChart>
       <c:catAx>
-        <c:axId val="-1001900928"/>
+        <c:axId val="-464186464"/>
         <c:scaling>
           <c:orientation val="minMax"/>
         </c:scaling>
@@ -1483,7 +1478,7 @@
             <a:endParaRPr lang="zh-CN"/>
           </a:p>
         </c:txPr>
-        <c:crossAx val="-674231968"/>
+        <c:crossAx val="-464002528"/>
         <c:crossesAt val="0.0"/>
         <c:auto val="1"/>
         <c:lblAlgn val="ctr"/>
@@ -1491,7 +1486,7 @@
         <c:noMultiLvlLbl val="0"/>
       </c:catAx>
       <c:valAx>
-        <c:axId val="-674231968"/>
+        <c:axId val="-464002528"/>
         <c:scaling>
           <c:orientation val="minMax"/>
         </c:scaling>
@@ -1528,13 +1523,12 @@
             <a:endParaRPr lang="zh-CN"/>
           </a:p>
         </c:txPr>
-        <c:crossAx val="-1001900928"/>
+        <c:crossAx val="-464186464"/>
         <c:crosses val="autoZero"/>
         <c:crossBetween val="between"/>
         <c:dispUnits>
           <c:builtInUnit val="tenMillions"/>
           <c:dispUnitsLbl>
-            <c:layout/>
             <c:spPr>
               <a:noFill/>
               <a:ln>
@@ -5674,7 +5668,7 @@
           <p:cNvPr id="2" name="标题 1">
             <a:extLst>
               <a:ext uri="{FF2B5EF4-FFF2-40B4-BE49-F238E27FC236}">
-                <a16:creationId xmlns="" xmlns:a16="http://schemas.microsoft.com/office/drawing/2014/main" id="{42235F54-7CA3-493F-847A-29983B8443D9}"/>
+                <a16:creationId xmlns:a16="http://schemas.microsoft.com/office/drawing/2014/main" xmlns="" id="{42235F54-7CA3-493F-847A-29983B8443D9}"/>
               </a:ext>
             </a:extLst>
           </p:cNvPr>
@@ -5702,7 +5696,7 @@
           <p:cNvPr id="3" name="竖排文字占位符 2">
             <a:extLst>
               <a:ext uri="{FF2B5EF4-FFF2-40B4-BE49-F238E27FC236}">
-                <a16:creationId xmlns="" xmlns:a16="http://schemas.microsoft.com/office/drawing/2014/main" id="{E57721D4-9FBF-4E6D-BF95-431EA476623A}"/>
+                <a16:creationId xmlns:a16="http://schemas.microsoft.com/office/drawing/2014/main" xmlns="" id="{E57721D4-9FBF-4E6D-BF95-431EA476623A}"/>
               </a:ext>
             </a:extLst>
           </p:cNvPr>
@@ -5759,7 +5753,7 @@
           <p:cNvPr id="4" name="日期占位符 3">
             <a:extLst>
               <a:ext uri="{FF2B5EF4-FFF2-40B4-BE49-F238E27FC236}">
-                <a16:creationId xmlns="" xmlns:a16="http://schemas.microsoft.com/office/drawing/2014/main" id="{FECA267B-1289-440F-9CF1-DDD83C2F334E}"/>
+                <a16:creationId xmlns:a16="http://schemas.microsoft.com/office/drawing/2014/main" xmlns="" id="{FECA267B-1289-440F-9CF1-DDD83C2F334E}"/>
               </a:ext>
             </a:extLst>
           </p:cNvPr>
@@ -5788,7 +5782,7 @@
           <p:cNvPr id="5" name="页脚占位符 4">
             <a:extLst>
               <a:ext uri="{FF2B5EF4-FFF2-40B4-BE49-F238E27FC236}">
-                <a16:creationId xmlns="" xmlns:a16="http://schemas.microsoft.com/office/drawing/2014/main" id="{29AF7012-861C-459B-B9E6-9CA6E05D7C17}"/>
+                <a16:creationId xmlns:a16="http://schemas.microsoft.com/office/drawing/2014/main" xmlns="" id="{29AF7012-861C-459B-B9E6-9CA6E05D7C17}"/>
               </a:ext>
             </a:extLst>
           </p:cNvPr>
@@ -5813,7 +5807,7 @@
           <p:cNvPr id="6" name="灯片编号占位符 5">
             <a:extLst>
               <a:ext uri="{FF2B5EF4-FFF2-40B4-BE49-F238E27FC236}">
-                <a16:creationId xmlns="" xmlns:a16="http://schemas.microsoft.com/office/drawing/2014/main" id="{D2451314-7407-47AF-ACBA-342FB6412B1E}"/>
+                <a16:creationId xmlns:a16="http://schemas.microsoft.com/office/drawing/2014/main" xmlns="" id="{D2451314-7407-47AF-ACBA-342FB6412B1E}"/>
               </a:ext>
             </a:extLst>
           </p:cNvPr>
@@ -5875,7 +5869,7 @@
           <p:cNvPr id="2" name="竖排标题 1">
             <a:extLst>
               <a:ext uri="{FF2B5EF4-FFF2-40B4-BE49-F238E27FC236}">
-                <a16:creationId xmlns="" xmlns:a16="http://schemas.microsoft.com/office/drawing/2014/main" id="{F649EF25-FBB9-4CC1-9FBD-59D2A9DF97E6}"/>
+                <a16:creationId xmlns:a16="http://schemas.microsoft.com/office/drawing/2014/main" xmlns="" id="{F649EF25-FBB9-4CC1-9FBD-59D2A9DF97E6}"/>
               </a:ext>
             </a:extLst>
           </p:cNvPr>
@@ -5908,7 +5902,7 @@
           <p:cNvPr id="3" name="竖排文字占位符 2">
             <a:extLst>
               <a:ext uri="{FF2B5EF4-FFF2-40B4-BE49-F238E27FC236}">
-                <a16:creationId xmlns="" xmlns:a16="http://schemas.microsoft.com/office/drawing/2014/main" id="{67870104-20B7-4D69-87BF-AC1B1CBDC938}"/>
+                <a16:creationId xmlns:a16="http://schemas.microsoft.com/office/drawing/2014/main" xmlns="" id="{67870104-20B7-4D69-87BF-AC1B1CBDC938}"/>
               </a:ext>
             </a:extLst>
           </p:cNvPr>
@@ -5970,7 +5964,7 @@
           <p:cNvPr id="4" name="日期占位符 3">
             <a:extLst>
               <a:ext uri="{FF2B5EF4-FFF2-40B4-BE49-F238E27FC236}">
-                <a16:creationId xmlns="" xmlns:a16="http://schemas.microsoft.com/office/drawing/2014/main" id="{2D882186-1999-472E-B04D-0E20C07DD490}"/>
+                <a16:creationId xmlns:a16="http://schemas.microsoft.com/office/drawing/2014/main" xmlns="" id="{2D882186-1999-472E-B04D-0E20C07DD490}"/>
               </a:ext>
             </a:extLst>
           </p:cNvPr>
@@ -5999,7 +5993,7 @@
           <p:cNvPr id="5" name="页脚占位符 4">
             <a:extLst>
               <a:ext uri="{FF2B5EF4-FFF2-40B4-BE49-F238E27FC236}">
-                <a16:creationId xmlns="" xmlns:a16="http://schemas.microsoft.com/office/drawing/2014/main" id="{602B9731-3159-4750-B55F-1956A80E4590}"/>
+                <a16:creationId xmlns:a16="http://schemas.microsoft.com/office/drawing/2014/main" xmlns="" id="{602B9731-3159-4750-B55F-1956A80E4590}"/>
               </a:ext>
             </a:extLst>
           </p:cNvPr>
@@ -6024,7 +6018,7 @@
           <p:cNvPr id="6" name="灯片编号占位符 5">
             <a:extLst>
               <a:ext uri="{FF2B5EF4-FFF2-40B4-BE49-F238E27FC236}">
-                <a16:creationId xmlns="" xmlns:a16="http://schemas.microsoft.com/office/drawing/2014/main" id="{5D4B2450-67FA-458B-8D73-5337BEB9928E}"/>
+                <a16:creationId xmlns:a16="http://schemas.microsoft.com/office/drawing/2014/main" xmlns="" id="{5D4B2450-67FA-458B-8D73-5337BEB9928E}"/>
               </a:ext>
             </a:extLst>
           </p:cNvPr>
@@ -6086,7 +6080,7 @@
           <p:cNvPr id="2" name="标题 1">
             <a:extLst>
               <a:ext uri="{FF2B5EF4-FFF2-40B4-BE49-F238E27FC236}">
-                <a16:creationId xmlns="" xmlns:a16="http://schemas.microsoft.com/office/drawing/2014/main" id="{5C417FD1-86C7-4D6F-BB18-1BFAF31A9576}"/>
+                <a16:creationId xmlns:a16="http://schemas.microsoft.com/office/drawing/2014/main" xmlns="" id="{5C417FD1-86C7-4D6F-BB18-1BFAF31A9576}"/>
               </a:ext>
             </a:extLst>
           </p:cNvPr>
@@ -6114,7 +6108,7 @@
           <p:cNvPr id="3" name="内容占位符 2">
             <a:extLst>
               <a:ext uri="{FF2B5EF4-FFF2-40B4-BE49-F238E27FC236}">
-                <a16:creationId xmlns="" xmlns:a16="http://schemas.microsoft.com/office/drawing/2014/main" id="{55B418F4-6BEB-4323-85BE-6D9DAA1AC5CE}"/>
+                <a16:creationId xmlns:a16="http://schemas.microsoft.com/office/drawing/2014/main" xmlns="" id="{55B418F4-6BEB-4323-85BE-6D9DAA1AC5CE}"/>
               </a:ext>
             </a:extLst>
           </p:cNvPr>
@@ -6171,7 +6165,7 @@
           <p:cNvPr id="4" name="日期占位符 3">
             <a:extLst>
               <a:ext uri="{FF2B5EF4-FFF2-40B4-BE49-F238E27FC236}">
-                <a16:creationId xmlns="" xmlns:a16="http://schemas.microsoft.com/office/drawing/2014/main" id="{F2E0484F-A6D0-4D0A-A67F-9B60623ABD9B}"/>
+                <a16:creationId xmlns:a16="http://schemas.microsoft.com/office/drawing/2014/main" xmlns="" id="{F2E0484F-A6D0-4D0A-A67F-9B60623ABD9B}"/>
               </a:ext>
             </a:extLst>
           </p:cNvPr>
@@ -6200,7 +6194,7 @@
           <p:cNvPr id="5" name="页脚占位符 4">
             <a:extLst>
               <a:ext uri="{FF2B5EF4-FFF2-40B4-BE49-F238E27FC236}">
-                <a16:creationId xmlns="" xmlns:a16="http://schemas.microsoft.com/office/drawing/2014/main" id="{B64B9663-8560-4E5B-9828-821FFA06E84C}"/>
+                <a16:creationId xmlns:a16="http://schemas.microsoft.com/office/drawing/2014/main" xmlns="" id="{B64B9663-8560-4E5B-9828-821FFA06E84C}"/>
               </a:ext>
             </a:extLst>
           </p:cNvPr>
@@ -6225,7 +6219,7 @@
           <p:cNvPr id="6" name="灯片编号占位符 5">
             <a:extLst>
               <a:ext uri="{FF2B5EF4-FFF2-40B4-BE49-F238E27FC236}">
-                <a16:creationId xmlns="" xmlns:a16="http://schemas.microsoft.com/office/drawing/2014/main" id="{9A783949-B2D7-40A0-9C56-070D7843D49C}"/>
+                <a16:creationId xmlns:a16="http://schemas.microsoft.com/office/drawing/2014/main" xmlns="" id="{9A783949-B2D7-40A0-9C56-070D7843D49C}"/>
               </a:ext>
             </a:extLst>
           </p:cNvPr>
@@ -6287,7 +6281,7 @@
           <p:cNvPr id="2" name="标题 1">
             <a:extLst>
               <a:ext uri="{FF2B5EF4-FFF2-40B4-BE49-F238E27FC236}">
-                <a16:creationId xmlns="" xmlns:a16="http://schemas.microsoft.com/office/drawing/2014/main" id="{601EDC49-D274-42C0-B8C9-54E96E94E6DC}"/>
+                <a16:creationId xmlns:a16="http://schemas.microsoft.com/office/drawing/2014/main" xmlns="" id="{601EDC49-D274-42C0-B8C9-54E96E94E6DC}"/>
               </a:ext>
             </a:extLst>
           </p:cNvPr>
@@ -6324,7 +6318,7 @@
           <p:cNvPr id="3" name="文本占位符 2">
             <a:extLst>
               <a:ext uri="{FF2B5EF4-FFF2-40B4-BE49-F238E27FC236}">
-                <a16:creationId xmlns="" xmlns:a16="http://schemas.microsoft.com/office/drawing/2014/main" id="{AEFA3DB7-FAA9-461F-88CD-46EB421383F2}"/>
+                <a16:creationId xmlns:a16="http://schemas.microsoft.com/office/drawing/2014/main" xmlns="" id="{AEFA3DB7-FAA9-461F-88CD-46EB421383F2}"/>
               </a:ext>
             </a:extLst>
           </p:cNvPr>
@@ -6449,7 +6443,7 @@
           <p:cNvPr id="4" name="日期占位符 3">
             <a:extLst>
               <a:ext uri="{FF2B5EF4-FFF2-40B4-BE49-F238E27FC236}">
-                <a16:creationId xmlns="" xmlns:a16="http://schemas.microsoft.com/office/drawing/2014/main" id="{6F0C8632-A864-4DE3-9016-1A1B27BD6237}"/>
+                <a16:creationId xmlns:a16="http://schemas.microsoft.com/office/drawing/2014/main" xmlns="" id="{6F0C8632-A864-4DE3-9016-1A1B27BD6237}"/>
               </a:ext>
             </a:extLst>
           </p:cNvPr>
@@ -6478,7 +6472,7 @@
           <p:cNvPr id="5" name="页脚占位符 4">
             <a:extLst>
               <a:ext uri="{FF2B5EF4-FFF2-40B4-BE49-F238E27FC236}">
-                <a16:creationId xmlns="" xmlns:a16="http://schemas.microsoft.com/office/drawing/2014/main" id="{2B08EFBF-B4C6-422F-A471-7844CD680F21}"/>
+                <a16:creationId xmlns:a16="http://schemas.microsoft.com/office/drawing/2014/main" xmlns="" id="{2B08EFBF-B4C6-422F-A471-7844CD680F21}"/>
               </a:ext>
             </a:extLst>
           </p:cNvPr>
@@ -6503,7 +6497,7 @@
           <p:cNvPr id="6" name="灯片编号占位符 5">
             <a:extLst>
               <a:ext uri="{FF2B5EF4-FFF2-40B4-BE49-F238E27FC236}">
-                <a16:creationId xmlns="" xmlns:a16="http://schemas.microsoft.com/office/drawing/2014/main" id="{E724A86A-CF97-4FDA-AA7F-AB051ACDAFF3}"/>
+                <a16:creationId xmlns:a16="http://schemas.microsoft.com/office/drawing/2014/main" xmlns="" id="{E724A86A-CF97-4FDA-AA7F-AB051ACDAFF3}"/>
               </a:ext>
             </a:extLst>
           </p:cNvPr>
@@ -6565,7 +6559,7 @@
           <p:cNvPr id="2" name="标题 1">
             <a:extLst>
               <a:ext uri="{FF2B5EF4-FFF2-40B4-BE49-F238E27FC236}">
-                <a16:creationId xmlns="" xmlns:a16="http://schemas.microsoft.com/office/drawing/2014/main" id="{5E10D0CE-B16C-40C5-869D-8E375B4930D1}"/>
+                <a16:creationId xmlns:a16="http://schemas.microsoft.com/office/drawing/2014/main" xmlns="" id="{5E10D0CE-B16C-40C5-869D-8E375B4930D1}"/>
               </a:ext>
             </a:extLst>
           </p:cNvPr>
@@ -6593,7 +6587,7 @@
           <p:cNvPr id="3" name="内容占位符 2">
             <a:extLst>
               <a:ext uri="{FF2B5EF4-FFF2-40B4-BE49-F238E27FC236}">
-                <a16:creationId xmlns="" xmlns:a16="http://schemas.microsoft.com/office/drawing/2014/main" id="{875254BD-1BB0-461D-9523-A56BBA3A7A16}"/>
+                <a16:creationId xmlns:a16="http://schemas.microsoft.com/office/drawing/2014/main" xmlns="" id="{875254BD-1BB0-461D-9523-A56BBA3A7A16}"/>
               </a:ext>
             </a:extLst>
           </p:cNvPr>
@@ -6655,7 +6649,7 @@
           <p:cNvPr id="4" name="内容占位符 3">
             <a:extLst>
               <a:ext uri="{FF2B5EF4-FFF2-40B4-BE49-F238E27FC236}">
-                <a16:creationId xmlns="" xmlns:a16="http://schemas.microsoft.com/office/drawing/2014/main" id="{AEBC9EEB-E466-46C0-89FD-3A53D739FE6B}"/>
+                <a16:creationId xmlns:a16="http://schemas.microsoft.com/office/drawing/2014/main" xmlns="" id="{AEBC9EEB-E466-46C0-89FD-3A53D739FE6B}"/>
               </a:ext>
             </a:extLst>
           </p:cNvPr>
@@ -6717,7 +6711,7 @@
           <p:cNvPr id="5" name="日期占位符 4">
             <a:extLst>
               <a:ext uri="{FF2B5EF4-FFF2-40B4-BE49-F238E27FC236}">
-                <a16:creationId xmlns="" xmlns:a16="http://schemas.microsoft.com/office/drawing/2014/main" id="{E2804F2E-1DB2-4D6F-92F5-2ED4232B4AF8}"/>
+                <a16:creationId xmlns:a16="http://schemas.microsoft.com/office/drawing/2014/main" xmlns="" id="{E2804F2E-1DB2-4D6F-92F5-2ED4232B4AF8}"/>
               </a:ext>
             </a:extLst>
           </p:cNvPr>
@@ -6746,7 +6740,7 @@
           <p:cNvPr id="6" name="页脚占位符 5">
             <a:extLst>
               <a:ext uri="{FF2B5EF4-FFF2-40B4-BE49-F238E27FC236}">
-                <a16:creationId xmlns="" xmlns:a16="http://schemas.microsoft.com/office/drawing/2014/main" id="{9E7B3A53-8C9E-40B2-BDB1-13E947FCCFE6}"/>
+                <a16:creationId xmlns:a16="http://schemas.microsoft.com/office/drawing/2014/main" xmlns="" id="{9E7B3A53-8C9E-40B2-BDB1-13E947FCCFE6}"/>
               </a:ext>
             </a:extLst>
           </p:cNvPr>
@@ -6771,7 +6765,7 @@
           <p:cNvPr id="7" name="灯片编号占位符 6">
             <a:extLst>
               <a:ext uri="{FF2B5EF4-FFF2-40B4-BE49-F238E27FC236}">
-                <a16:creationId xmlns="" xmlns:a16="http://schemas.microsoft.com/office/drawing/2014/main" id="{7A47662B-71C4-4DBF-B5C6-B364C44E2845}"/>
+                <a16:creationId xmlns:a16="http://schemas.microsoft.com/office/drawing/2014/main" xmlns="" id="{7A47662B-71C4-4DBF-B5C6-B364C44E2845}"/>
               </a:ext>
             </a:extLst>
           </p:cNvPr>
@@ -6833,7 +6827,7 @@
           <p:cNvPr id="2" name="标题 1">
             <a:extLst>
               <a:ext uri="{FF2B5EF4-FFF2-40B4-BE49-F238E27FC236}">
-                <a16:creationId xmlns="" xmlns:a16="http://schemas.microsoft.com/office/drawing/2014/main" id="{40668BCA-4C34-4540-8654-D682C3E3184D}"/>
+                <a16:creationId xmlns:a16="http://schemas.microsoft.com/office/drawing/2014/main" xmlns="" id="{40668BCA-4C34-4540-8654-D682C3E3184D}"/>
               </a:ext>
             </a:extLst>
           </p:cNvPr>
@@ -6866,7 +6860,7 @@
           <p:cNvPr id="3" name="文本占位符 2">
             <a:extLst>
               <a:ext uri="{FF2B5EF4-FFF2-40B4-BE49-F238E27FC236}">
-                <a16:creationId xmlns="" xmlns:a16="http://schemas.microsoft.com/office/drawing/2014/main" id="{7F112ADA-2000-40BA-98DB-BB4FF7B51B21}"/>
+                <a16:creationId xmlns:a16="http://schemas.microsoft.com/office/drawing/2014/main" xmlns="" id="{7F112ADA-2000-40BA-98DB-BB4FF7B51B21}"/>
               </a:ext>
             </a:extLst>
           </p:cNvPr>
@@ -6937,7 +6931,7 @@
           <p:cNvPr id="4" name="内容占位符 3">
             <a:extLst>
               <a:ext uri="{FF2B5EF4-FFF2-40B4-BE49-F238E27FC236}">
-                <a16:creationId xmlns="" xmlns:a16="http://schemas.microsoft.com/office/drawing/2014/main" id="{3D6848F4-160E-477D-A730-253FDD86F2E2}"/>
+                <a16:creationId xmlns:a16="http://schemas.microsoft.com/office/drawing/2014/main" xmlns="" id="{3D6848F4-160E-477D-A730-253FDD86F2E2}"/>
               </a:ext>
             </a:extLst>
           </p:cNvPr>
@@ -6999,7 +6993,7 @@
           <p:cNvPr id="5" name="文本占位符 4">
             <a:extLst>
               <a:ext uri="{FF2B5EF4-FFF2-40B4-BE49-F238E27FC236}">
-                <a16:creationId xmlns="" xmlns:a16="http://schemas.microsoft.com/office/drawing/2014/main" id="{6488EB20-4A0E-4A76-BBBE-70DC815B5ECC}"/>
+                <a16:creationId xmlns:a16="http://schemas.microsoft.com/office/drawing/2014/main" xmlns="" id="{6488EB20-4A0E-4A76-BBBE-70DC815B5ECC}"/>
               </a:ext>
             </a:extLst>
           </p:cNvPr>
@@ -7070,7 +7064,7 @@
           <p:cNvPr id="6" name="内容占位符 5">
             <a:extLst>
               <a:ext uri="{FF2B5EF4-FFF2-40B4-BE49-F238E27FC236}">
-                <a16:creationId xmlns="" xmlns:a16="http://schemas.microsoft.com/office/drawing/2014/main" id="{0E7A608A-40A6-4221-ACA8-19D102B38094}"/>
+                <a16:creationId xmlns:a16="http://schemas.microsoft.com/office/drawing/2014/main" xmlns="" id="{0E7A608A-40A6-4221-ACA8-19D102B38094}"/>
               </a:ext>
             </a:extLst>
           </p:cNvPr>
@@ -7132,7 +7126,7 @@
           <p:cNvPr id="7" name="日期占位符 6">
             <a:extLst>
               <a:ext uri="{FF2B5EF4-FFF2-40B4-BE49-F238E27FC236}">
-                <a16:creationId xmlns="" xmlns:a16="http://schemas.microsoft.com/office/drawing/2014/main" id="{8B7697C3-D3D9-4FAC-8CBD-1D233FD246A7}"/>
+                <a16:creationId xmlns:a16="http://schemas.microsoft.com/office/drawing/2014/main" xmlns="" id="{8B7697C3-D3D9-4FAC-8CBD-1D233FD246A7}"/>
               </a:ext>
             </a:extLst>
           </p:cNvPr>
@@ -7161,7 +7155,7 @@
           <p:cNvPr id="8" name="页脚占位符 7">
             <a:extLst>
               <a:ext uri="{FF2B5EF4-FFF2-40B4-BE49-F238E27FC236}">
-                <a16:creationId xmlns="" xmlns:a16="http://schemas.microsoft.com/office/drawing/2014/main" id="{6E244771-2EC9-4A17-AA02-1B56BD9908DC}"/>
+                <a16:creationId xmlns:a16="http://schemas.microsoft.com/office/drawing/2014/main" xmlns="" id="{6E244771-2EC9-4A17-AA02-1B56BD9908DC}"/>
               </a:ext>
             </a:extLst>
           </p:cNvPr>
@@ -7186,7 +7180,7 @@
           <p:cNvPr id="9" name="灯片编号占位符 8">
             <a:extLst>
               <a:ext uri="{FF2B5EF4-FFF2-40B4-BE49-F238E27FC236}">
-                <a16:creationId xmlns="" xmlns:a16="http://schemas.microsoft.com/office/drawing/2014/main" id="{E914C20D-25F2-40ED-AAAF-D24802D6B85F}"/>
+                <a16:creationId xmlns:a16="http://schemas.microsoft.com/office/drawing/2014/main" xmlns="" id="{E914C20D-25F2-40ED-AAAF-D24802D6B85F}"/>
               </a:ext>
             </a:extLst>
           </p:cNvPr>
@@ -7833,7 +7827,7 @@
           <p:cNvPr id="2" name="标题 1">
             <a:extLst>
               <a:ext uri="{FF2B5EF4-FFF2-40B4-BE49-F238E27FC236}">
-                <a16:creationId xmlns="" xmlns:a16="http://schemas.microsoft.com/office/drawing/2014/main" id="{B17A8CA1-3C54-4624-9B75-C183AC0B8369}"/>
+                <a16:creationId xmlns:a16="http://schemas.microsoft.com/office/drawing/2014/main" xmlns="" id="{B17A8CA1-3C54-4624-9B75-C183AC0B8369}"/>
               </a:ext>
             </a:extLst>
           </p:cNvPr>
@@ -7861,7 +7855,7 @@
           <p:cNvPr id="3" name="日期占位符 2">
             <a:extLst>
               <a:ext uri="{FF2B5EF4-FFF2-40B4-BE49-F238E27FC236}">
-                <a16:creationId xmlns="" xmlns:a16="http://schemas.microsoft.com/office/drawing/2014/main" id="{81782EED-1A91-4D70-A708-D4BF41B9B314}"/>
+                <a16:creationId xmlns:a16="http://schemas.microsoft.com/office/drawing/2014/main" xmlns="" id="{81782EED-1A91-4D70-A708-D4BF41B9B314}"/>
               </a:ext>
             </a:extLst>
           </p:cNvPr>
@@ -7890,7 +7884,7 @@
           <p:cNvPr id="4" name="页脚占位符 3">
             <a:extLst>
               <a:ext uri="{FF2B5EF4-FFF2-40B4-BE49-F238E27FC236}">
-                <a16:creationId xmlns="" xmlns:a16="http://schemas.microsoft.com/office/drawing/2014/main" id="{B51139C9-EAFE-4BC1-B18B-E3705D97CB7B}"/>
+                <a16:creationId xmlns:a16="http://schemas.microsoft.com/office/drawing/2014/main" xmlns="" id="{B51139C9-EAFE-4BC1-B18B-E3705D97CB7B}"/>
               </a:ext>
             </a:extLst>
           </p:cNvPr>
@@ -7915,7 +7909,7 @@
           <p:cNvPr id="5" name="灯片编号占位符 4">
             <a:extLst>
               <a:ext uri="{FF2B5EF4-FFF2-40B4-BE49-F238E27FC236}">
-                <a16:creationId xmlns="" xmlns:a16="http://schemas.microsoft.com/office/drawing/2014/main" id="{FC686D21-8AF4-4E62-B6B7-28A1BA895B7E}"/>
+                <a16:creationId xmlns:a16="http://schemas.microsoft.com/office/drawing/2014/main" xmlns="" id="{FC686D21-8AF4-4E62-B6B7-28A1BA895B7E}"/>
               </a:ext>
             </a:extLst>
           </p:cNvPr>
@@ -7977,7 +7971,7 @@
           <p:cNvPr id="2" name="日期占位符 1">
             <a:extLst>
               <a:ext uri="{FF2B5EF4-FFF2-40B4-BE49-F238E27FC236}">
-                <a16:creationId xmlns="" xmlns:a16="http://schemas.microsoft.com/office/drawing/2014/main" id="{0522BEF6-562D-4455-BD76-DDA10B1DF6BC}"/>
+                <a16:creationId xmlns:a16="http://schemas.microsoft.com/office/drawing/2014/main" xmlns="" id="{0522BEF6-562D-4455-BD76-DDA10B1DF6BC}"/>
               </a:ext>
             </a:extLst>
           </p:cNvPr>
@@ -8006,7 +8000,7 @@
           <p:cNvPr id="3" name="页脚占位符 2">
             <a:extLst>
               <a:ext uri="{FF2B5EF4-FFF2-40B4-BE49-F238E27FC236}">
-                <a16:creationId xmlns="" xmlns:a16="http://schemas.microsoft.com/office/drawing/2014/main" id="{699E9BF3-D664-4432-B387-C6FDEFD6163B}"/>
+                <a16:creationId xmlns:a16="http://schemas.microsoft.com/office/drawing/2014/main" xmlns="" id="{699E9BF3-D664-4432-B387-C6FDEFD6163B}"/>
               </a:ext>
             </a:extLst>
           </p:cNvPr>
@@ -8031,7 +8025,7 @@
           <p:cNvPr id="4" name="灯片编号占位符 3">
             <a:extLst>
               <a:ext uri="{FF2B5EF4-FFF2-40B4-BE49-F238E27FC236}">
-                <a16:creationId xmlns="" xmlns:a16="http://schemas.microsoft.com/office/drawing/2014/main" id="{E1468836-E8BD-4E72-91DD-3759C96ED86E}"/>
+                <a16:creationId xmlns:a16="http://schemas.microsoft.com/office/drawing/2014/main" xmlns="" id="{E1468836-E8BD-4E72-91DD-3759C96ED86E}"/>
               </a:ext>
             </a:extLst>
           </p:cNvPr>
@@ -8093,7 +8087,7 @@
           <p:cNvPr id="2" name="标题 1">
             <a:extLst>
               <a:ext uri="{FF2B5EF4-FFF2-40B4-BE49-F238E27FC236}">
-                <a16:creationId xmlns="" xmlns:a16="http://schemas.microsoft.com/office/drawing/2014/main" id="{3910308F-4288-4DDD-BEC7-E2DEA2300175}"/>
+                <a16:creationId xmlns:a16="http://schemas.microsoft.com/office/drawing/2014/main" xmlns="" id="{3910308F-4288-4DDD-BEC7-E2DEA2300175}"/>
               </a:ext>
             </a:extLst>
           </p:cNvPr>
@@ -8130,7 +8124,7 @@
           <p:cNvPr id="3" name="内容占位符 2">
             <a:extLst>
               <a:ext uri="{FF2B5EF4-FFF2-40B4-BE49-F238E27FC236}">
-                <a16:creationId xmlns="" xmlns:a16="http://schemas.microsoft.com/office/drawing/2014/main" id="{89F1CCF2-C89D-4CD3-8145-4312A979ECA4}"/>
+                <a16:creationId xmlns:a16="http://schemas.microsoft.com/office/drawing/2014/main" xmlns="" id="{89F1CCF2-C89D-4CD3-8145-4312A979ECA4}"/>
               </a:ext>
             </a:extLst>
           </p:cNvPr>
@@ -8220,7 +8214,7 @@
           <p:cNvPr id="4" name="文本占位符 3">
             <a:extLst>
               <a:ext uri="{FF2B5EF4-FFF2-40B4-BE49-F238E27FC236}">
-                <a16:creationId xmlns="" xmlns:a16="http://schemas.microsoft.com/office/drawing/2014/main" id="{5C8A7611-4FF6-4CCA-9448-5483B9458569}"/>
+                <a16:creationId xmlns:a16="http://schemas.microsoft.com/office/drawing/2014/main" xmlns="" id="{5C8A7611-4FF6-4CCA-9448-5483B9458569}"/>
               </a:ext>
             </a:extLst>
           </p:cNvPr>
@@ -8291,7 +8285,7 @@
           <p:cNvPr id="5" name="日期占位符 4">
             <a:extLst>
               <a:ext uri="{FF2B5EF4-FFF2-40B4-BE49-F238E27FC236}">
-                <a16:creationId xmlns="" xmlns:a16="http://schemas.microsoft.com/office/drawing/2014/main" id="{BF1BA9AA-E65F-41C0-848B-C8C8A1135A3B}"/>
+                <a16:creationId xmlns:a16="http://schemas.microsoft.com/office/drawing/2014/main" xmlns="" id="{BF1BA9AA-E65F-41C0-848B-C8C8A1135A3B}"/>
               </a:ext>
             </a:extLst>
           </p:cNvPr>
@@ -8320,7 +8314,7 @@
           <p:cNvPr id="6" name="页脚占位符 5">
             <a:extLst>
               <a:ext uri="{FF2B5EF4-FFF2-40B4-BE49-F238E27FC236}">
-                <a16:creationId xmlns="" xmlns:a16="http://schemas.microsoft.com/office/drawing/2014/main" id="{5ED25DFA-D2EC-4338-B06E-E14756A893E8}"/>
+                <a16:creationId xmlns:a16="http://schemas.microsoft.com/office/drawing/2014/main" xmlns="" id="{5ED25DFA-D2EC-4338-B06E-E14756A893E8}"/>
               </a:ext>
             </a:extLst>
           </p:cNvPr>
@@ -8345,7 +8339,7 @@
           <p:cNvPr id="7" name="灯片编号占位符 6">
             <a:extLst>
               <a:ext uri="{FF2B5EF4-FFF2-40B4-BE49-F238E27FC236}">
-                <a16:creationId xmlns="" xmlns:a16="http://schemas.microsoft.com/office/drawing/2014/main" id="{2A2C23C4-D2FA-4191-B927-DF76DE81BA15}"/>
+                <a16:creationId xmlns:a16="http://schemas.microsoft.com/office/drawing/2014/main" xmlns="" id="{2A2C23C4-D2FA-4191-B927-DF76DE81BA15}"/>
               </a:ext>
             </a:extLst>
           </p:cNvPr>
@@ -8407,7 +8401,7 @@
           <p:cNvPr id="2" name="标题 1">
             <a:extLst>
               <a:ext uri="{FF2B5EF4-FFF2-40B4-BE49-F238E27FC236}">
-                <a16:creationId xmlns="" xmlns:a16="http://schemas.microsoft.com/office/drawing/2014/main" id="{B8F80B2C-BFAB-48FF-B101-A0270BE1713A}"/>
+                <a16:creationId xmlns:a16="http://schemas.microsoft.com/office/drawing/2014/main" xmlns="" id="{B8F80B2C-BFAB-48FF-B101-A0270BE1713A}"/>
               </a:ext>
             </a:extLst>
           </p:cNvPr>
@@ -8444,7 +8438,7 @@
           <p:cNvPr id="3" name="图片占位符 2">
             <a:extLst>
               <a:ext uri="{FF2B5EF4-FFF2-40B4-BE49-F238E27FC236}">
-                <a16:creationId xmlns="" xmlns:a16="http://schemas.microsoft.com/office/drawing/2014/main" id="{77D71463-1CFF-4DCA-BD30-6EF96FADC7B4}"/>
+                <a16:creationId xmlns:a16="http://schemas.microsoft.com/office/drawing/2014/main" xmlns="" id="{77D71463-1CFF-4DCA-BD30-6EF96FADC7B4}"/>
               </a:ext>
             </a:extLst>
           </p:cNvPr>
@@ -8511,7 +8505,7 @@
           <p:cNvPr id="4" name="文本占位符 3">
             <a:extLst>
               <a:ext uri="{FF2B5EF4-FFF2-40B4-BE49-F238E27FC236}">
-                <a16:creationId xmlns="" xmlns:a16="http://schemas.microsoft.com/office/drawing/2014/main" id="{841AF1CA-7E60-4770-A82D-60F9E03AE1FA}"/>
+                <a16:creationId xmlns:a16="http://schemas.microsoft.com/office/drawing/2014/main" xmlns="" id="{841AF1CA-7E60-4770-A82D-60F9E03AE1FA}"/>
               </a:ext>
             </a:extLst>
           </p:cNvPr>
@@ -8582,7 +8576,7 @@
           <p:cNvPr id="5" name="日期占位符 4">
             <a:extLst>
               <a:ext uri="{FF2B5EF4-FFF2-40B4-BE49-F238E27FC236}">
-                <a16:creationId xmlns="" xmlns:a16="http://schemas.microsoft.com/office/drawing/2014/main" id="{7140618D-C415-4B1B-B917-5A3A0F9189D6}"/>
+                <a16:creationId xmlns:a16="http://schemas.microsoft.com/office/drawing/2014/main" xmlns="" id="{7140618D-C415-4B1B-B917-5A3A0F9189D6}"/>
               </a:ext>
             </a:extLst>
           </p:cNvPr>
@@ -8611,7 +8605,7 @@
           <p:cNvPr id="6" name="页脚占位符 5">
             <a:extLst>
               <a:ext uri="{FF2B5EF4-FFF2-40B4-BE49-F238E27FC236}">
-                <a16:creationId xmlns="" xmlns:a16="http://schemas.microsoft.com/office/drawing/2014/main" id="{6BAA9525-1AE5-447A-927C-339D9F35C5AF}"/>
+                <a16:creationId xmlns:a16="http://schemas.microsoft.com/office/drawing/2014/main" xmlns="" id="{6BAA9525-1AE5-447A-927C-339D9F35C5AF}"/>
               </a:ext>
             </a:extLst>
           </p:cNvPr>
@@ -8636,7 +8630,7 @@
           <p:cNvPr id="7" name="灯片编号占位符 6">
             <a:extLst>
               <a:ext uri="{FF2B5EF4-FFF2-40B4-BE49-F238E27FC236}">
-                <a16:creationId xmlns="" xmlns:a16="http://schemas.microsoft.com/office/drawing/2014/main" id="{370C264C-010E-45F6-9179-470BFF3C0FD0}"/>
+                <a16:creationId xmlns:a16="http://schemas.microsoft.com/office/drawing/2014/main" xmlns="" id="{370C264C-010E-45F6-9179-470BFF3C0FD0}"/>
               </a:ext>
             </a:extLst>
           </p:cNvPr>
@@ -8716,7 +8710,7 @@
           <p:cNvPr id="2" name="标题占位符 1">
             <a:extLst>
               <a:ext uri="{FF2B5EF4-FFF2-40B4-BE49-F238E27FC236}">
-                <a16:creationId xmlns="" xmlns:a16="http://schemas.microsoft.com/office/drawing/2014/main" id="{5D0C92D1-8FD1-40C5-80CB-9126349045A2}"/>
+                <a16:creationId xmlns:a16="http://schemas.microsoft.com/office/drawing/2014/main" xmlns="" id="{5D0C92D1-8FD1-40C5-80CB-9126349045A2}"/>
               </a:ext>
             </a:extLst>
           </p:cNvPr>
@@ -8754,7 +8748,7 @@
           <p:cNvPr id="3" name="文本占位符 2">
             <a:extLst>
               <a:ext uri="{FF2B5EF4-FFF2-40B4-BE49-F238E27FC236}">
-                <a16:creationId xmlns="" xmlns:a16="http://schemas.microsoft.com/office/drawing/2014/main" id="{EFFD41DD-F8F1-48A7-B910-20A205CB0F77}"/>
+                <a16:creationId xmlns:a16="http://schemas.microsoft.com/office/drawing/2014/main" xmlns="" id="{EFFD41DD-F8F1-48A7-B910-20A205CB0F77}"/>
               </a:ext>
             </a:extLst>
           </p:cNvPr>
@@ -8821,7 +8815,7 @@
           <p:cNvPr id="4" name="日期占位符 3">
             <a:extLst>
               <a:ext uri="{FF2B5EF4-FFF2-40B4-BE49-F238E27FC236}">
-                <a16:creationId xmlns="" xmlns:a16="http://schemas.microsoft.com/office/drawing/2014/main" id="{FCC2F899-1A10-4FAE-B4A8-C050882F478A}"/>
+                <a16:creationId xmlns:a16="http://schemas.microsoft.com/office/drawing/2014/main" xmlns="" id="{FCC2F899-1A10-4FAE-B4A8-C050882F478A}"/>
               </a:ext>
             </a:extLst>
           </p:cNvPr>
@@ -8868,7 +8862,7 @@
           <p:cNvPr id="5" name="页脚占位符 4">
             <a:extLst>
               <a:ext uri="{FF2B5EF4-FFF2-40B4-BE49-F238E27FC236}">
-                <a16:creationId xmlns="" xmlns:a16="http://schemas.microsoft.com/office/drawing/2014/main" id="{C8EB747A-3551-484D-B713-7A9103CC5474}"/>
+                <a16:creationId xmlns:a16="http://schemas.microsoft.com/office/drawing/2014/main" xmlns="" id="{C8EB747A-3551-484D-B713-7A9103CC5474}"/>
               </a:ext>
             </a:extLst>
           </p:cNvPr>
@@ -8911,7 +8905,7 @@
           <p:cNvPr id="6" name="灯片编号占位符 5">
             <a:extLst>
               <a:ext uri="{FF2B5EF4-FFF2-40B4-BE49-F238E27FC236}">
-                <a16:creationId xmlns="" xmlns:a16="http://schemas.microsoft.com/office/drawing/2014/main" id="{A680E9FD-B05F-40E6-8FC8-C5F4971F176F}"/>
+                <a16:creationId xmlns:a16="http://schemas.microsoft.com/office/drawing/2014/main" xmlns="" id="{A680E9FD-B05F-40E6-8FC8-C5F4971F176F}"/>
               </a:ext>
             </a:extLst>
           </p:cNvPr>
@@ -9300,7 +9294,7 @@
           <p:cNvPr id="12" name="组合 11">
             <a:extLst>
               <a:ext uri="{FF2B5EF4-FFF2-40B4-BE49-F238E27FC236}">
-                <a16:creationId xmlns="" xmlns:a16="http://schemas.microsoft.com/office/drawing/2014/main" id="{D6000263-E9DD-4AC7-A616-C0C246340DFE}"/>
+                <a16:creationId xmlns:a16="http://schemas.microsoft.com/office/drawing/2014/main" xmlns="" id="{D6000263-E9DD-4AC7-A616-C0C246340DFE}"/>
               </a:ext>
             </a:extLst>
           </p:cNvPr>
@@ -9320,7 +9314,7 @@
             <p:cNvPr id="14" name="PA_文本框 11">
               <a:extLst>
                 <a:ext uri="{FF2B5EF4-FFF2-40B4-BE49-F238E27FC236}">
-                  <a16:creationId xmlns="" xmlns:a16="http://schemas.microsoft.com/office/drawing/2014/main" id="{EDB0BCC6-23B9-4791-B4EF-7E4FCE5305BE}"/>
+                  <a16:creationId xmlns:a16="http://schemas.microsoft.com/office/drawing/2014/main" xmlns="" id="{EDB0BCC6-23B9-4791-B4EF-7E4FCE5305BE}"/>
                 </a:ext>
               </a:extLst>
             </p:cNvPr>
@@ -9397,7 +9391,7 @@
             <p:cNvPr id="16" name="PA_文本框 29">
               <a:extLst>
                 <a:ext uri="{FF2B5EF4-FFF2-40B4-BE49-F238E27FC236}">
-                  <a16:creationId xmlns="" xmlns:a16="http://schemas.microsoft.com/office/drawing/2014/main" id="{3D504F59-BEDB-4DA9-9210-81BA2501E694}"/>
+                  <a16:creationId xmlns:a16="http://schemas.microsoft.com/office/drawing/2014/main" xmlns="" id="{3D504F59-BEDB-4DA9-9210-81BA2501E694}"/>
                 </a:ext>
               </a:extLst>
             </p:cNvPr>
@@ -9773,7 +9767,7 @@
             <p:cNvPr id="17" name="PA_文本框 11">
               <a:extLst>
                 <a:ext uri="{FF2B5EF4-FFF2-40B4-BE49-F238E27FC236}">
-                  <a16:creationId xmlns="" xmlns:a16="http://schemas.microsoft.com/office/drawing/2014/main" id="{15144238-EF41-4A3E-89DB-603B09422A17}"/>
+                  <a16:creationId xmlns:a16="http://schemas.microsoft.com/office/drawing/2014/main" xmlns="" id="{15144238-EF41-4A3E-89DB-603B09422A17}"/>
                 </a:ext>
               </a:extLst>
             </p:cNvPr>
@@ -10383,7 +10377,7 @@
           <p:cNvPr id="16" name="组合 15">
             <a:extLst>
               <a:ext uri="{FF2B5EF4-FFF2-40B4-BE49-F238E27FC236}">
-                <a16:creationId xmlns:a16="http://schemas.microsoft.com/office/drawing/2014/main" xmlns="" id="{E91B9790-859E-4551-9767-82C8E39A1D3F}"/>
+                <a16:creationId xmlns="" xmlns:a16="http://schemas.microsoft.com/office/drawing/2014/main" id="{E91B9790-859E-4551-9767-82C8E39A1D3F}"/>
               </a:ext>
             </a:extLst>
           </p:cNvPr>
@@ -10403,7 +10397,7 @@
             <p:cNvPr id="17" name="MH_Entry_1">
               <a:extLst>
                 <a:ext uri="{FF2B5EF4-FFF2-40B4-BE49-F238E27FC236}">
-                  <a16:creationId xmlns:a16="http://schemas.microsoft.com/office/drawing/2014/main" xmlns="" id="{3EA6CCAA-D534-4427-9CD2-99406F1DD94C}"/>
+                  <a16:creationId xmlns="" xmlns:a16="http://schemas.microsoft.com/office/drawing/2014/main" id="{3EA6CCAA-D534-4427-9CD2-99406F1DD94C}"/>
                 </a:ext>
               </a:extLst>
             </p:cNvPr>
@@ -10671,7 +10665,7 @@
             <p:cNvPr id="18" name="直接连接符 3">
               <a:extLst>
                 <a:ext uri="{FF2B5EF4-FFF2-40B4-BE49-F238E27FC236}">
-                  <a16:creationId xmlns:a16="http://schemas.microsoft.com/office/drawing/2014/main" xmlns="" id="{616A7946-B564-41CA-89F3-BFBBB2840685}"/>
+                  <a16:creationId xmlns="" xmlns:a16="http://schemas.microsoft.com/office/drawing/2014/main" id="{616A7946-B564-41CA-89F3-BFBBB2840685}"/>
                 </a:ext>
               </a:extLst>
             </p:cNvPr>
@@ -10712,7 +10706,7 @@
             <p:cNvPr id="19" name="直接连接符 4">
               <a:extLst>
                 <a:ext uri="{FF2B5EF4-FFF2-40B4-BE49-F238E27FC236}">
-                  <a16:creationId xmlns:a16="http://schemas.microsoft.com/office/drawing/2014/main" xmlns="" id="{B8ED999C-ED27-4131-B5DD-1B4CEE357823}"/>
+                  <a16:creationId xmlns="" xmlns:a16="http://schemas.microsoft.com/office/drawing/2014/main" id="{B8ED999C-ED27-4131-B5DD-1B4CEE357823}"/>
                 </a:ext>
               </a:extLst>
             </p:cNvPr>
@@ -11501,7 +11495,7 @@
           <p:cNvPr id="16" name="组合 15">
             <a:extLst>
               <a:ext uri="{FF2B5EF4-FFF2-40B4-BE49-F238E27FC236}">
-                <a16:creationId xmlns:a16="http://schemas.microsoft.com/office/drawing/2014/main" xmlns="" id="{E91B9790-859E-4551-9767-82C8E39A1D3F}"/>
+                <a16:creationId xmlns="" xmlns:a16="http://schemas.microsoft.com/office/drawing/2014/main" id="{E91B9790-859E-4551-9767-82C8E39A1D3F}"/>
               </a:ext>
             </a:extLst>
           </p:cNvPr>
@@ -11521,7 +11515,7 @@
             <p:cNvPr id="17" name="MH_Entry_1">
               <a:extLst>
                 <a:ext uri="{FF2B5EF4-FFF2-40B4-BE49-F238E27FC236}">
-                  <a16:creationId xmlns:a16="http://schemas.microsoft.com/office/drawing/2014/main" xmlns="" id="{3EA6CCAA-D534-4427-9CD2-99406F1DD94C}"/>
+                  <a16:creationId xmlns="" xmlns:a16="http://schemas.microsoft.com/office/drawing/2014/main" id="{3EA6CCAA-D534-4427-9CD2-99406F1DD94C}"/>
                 </a:ext>
               </a:extLst>
             </p:cNvPr>
@@ -11763,7 +11757,7 @@
             <p:cNvPr id="18" name="直接连接符 3">
               <a:extLst>
                 <a:ext uri="{FF2B5EF4-FFF2-40B4-BE49-F238E27FC236}">
-                  <a16:creationId xmlns:a16="http://schemas.microsoft.com/office/drawing/2014/main" xmlns="" id="{616A7946-B564-41CA-89F3-BFBBB2840685}"/>
+                  <a16:creationId xmlns="" xmlns:a16="http://schemas.microsoft.com/office/drawing/2014/main" id="{616A7946-B564-41CA-89F3-BFBBB2840685}"/>
                 </a:ext>
               </a:extLst>
             </p:cNvPr>
@@ -11804,7 +11798,7 @@
             <p:cNvPr id="19" name="直接连接符 4">
               <a:extLst>
                 <a:ext uri="{FF2B5EF4-FFF2-40B4-BE49-F238E27FC236}">
-                  <a16:creationId xmlns:a16="http://schemas.microsoft.com/office/drawing/2014/main" xmlns="" id="{B8ED999C-ED27-4131-B5DD-1B4CEE357823}"/>
+                  <a16:creationId xmlns="" xmlns:a16="http://schemas.microsoft.com/office/drawing/2014/main" id="{B8ED999C-ED27-4131-B5DD-1B4CEE357823}"/>
                 </a:ext>
               </a:extLst>
             </p:cNvPr>
@@ -12133,8 +12127,78 @@
         </p:nvSpPr>
         <p:spPr>
           <a:xfrm>
-            <a:off x="4539167" y="4916649"/>
+            <a:off x="4074968" y="4903813"/>
             <a:ext cx="2456723" cy="523220"/>
+          </a:xfrm>
+          <a:prstGeom prst="rect">
+            <a:avLst/>
+          </a:prstGeom>
+          <a:noFill/>
+        </p:spPr>
+        <p:txBody>
+          <a:bodyPr wrap="square" rtlCol="0">
+            <a:spAutoFit/>
+          </a:bodyPr>
+          <a:lstStyle/>
+          <a:p>
+            <a:r>
+              <a:rPr kumimoji="1" lang="en-US" altLang="zh-CN" sz="2800" dirty="0" smtClean="0"/>
+              <a:t>eigenvalues</a:t>
+            </a:r>
+            <a:endParaRPr kumimoji="1" lang="zh-CN" altLang="en-US" sz="2800" dirty="0"/>
+          </a:p>
+        </p:txBody>
+      </p:sp>
+      <p:sp>
+        <p:nvSpPr>
+          <p:cNvPr id="2" name="右箭头 1"/>
+          <p:cNvSpPr/>
+          <p:nvPr/>
+        </p:nvSpPr>
+        <p:spPr>
+          <a:xfrm>
+            <a:off x="6248400" y="5059867"/>
+            <a:ext cx="698500" cy="287311"/>
+          </a:xfrm>
+          <a:prstGeom prst="rightArrow">
+            <a:avLst/>
+          </a:prstGeom>
+        </p:spPr>
+        <p:style>
+          <a:lnRef idx="2">
+            <a:schemeClr val="accent3">
+              <a:shade val="50000"/>
+            </a:schemeClr>
+          </a:lnRef>
+          <a:fillRef idx="1">
+            <a:schemeClr val="accent3"/>
+          </a:fillRef>
+          <a:effectRef idx="0">
+            <a:schemeClr val="accent3"/>
+          </a:effectRef>
+          <a:fontRef idx="minor">
+            <a:schemeClr val="lt1"/>
+          </a:fontRef>
+        </p:style>
+        <p:txBody>
+          <a:bodyPr rtlCol="0" anchor="ctr"/>
+          <a:lstStyle/>
+          <a:p>
+            <a:pPr algn="ctr"/>
+            <a:endParaRPr kumimoji="1" lang="zh-CN" altLang="en-US"/>
+          </a:p>
+        </p:txBody>
+      </p:sp>
+      <p:sp>
+        <p:nvSpPr>
+          <p:cNvPr id="5" name="文本框 4"/>
+          <p:cNvSpPr txBox="1"/>
+          <p:nvPr/>
+        </p:nvSpPr>
+        <p:spPr>
+          <a:xfrm>
+            <a:off x="7279320" y="4941912"/>
+            <a:ext cx="2565400" cy="523220"/>
           </a:xfrm>
           <a:prstGeom prst="rect">
             <a:avLst/>
@@ -12171,9 +12235,214 @@
   <p:timing>
     <p:tnLst>
       <p:par>
-        <p:cTn id="1" dur="indefinite" restart="never" nodeType="tmRoot"/>
+        <p:cTn id="1" dur="indefinite" restart="never" nodeType="tmRoot">
+          <p:childTnLst>
+            <p:seq concurrent="1" nextAc="seek">
+              <p:cTn id="2" dur="indefinite" nodeType="mainSeq">
+                <p:childTnLst>
+                  <p:par>
+                    <p:cTn id="3" fill="hold">
+                      <p:stCondLst>
+                        <p:cond delay="indefinite"/>
+                      </p:stCondLst>
+                      <p:childTnLst>
+                        <p:par>
+                          <p:cTn id="4" fill="hold">
+                            <p:stCondLst>
+                              <p:cond delay="0"/>
+                            </p:stCondLst>
+                            <p:childTnLst>
+                              <p:par>
+                                <p:cTn id="5" presetID="3" presetClass="entr" presetSubtype="10" fill="hold" grpId="0" nodeType="clickEffect">
+                                  <p:stCondLst>
+                                    <p:cond delay="0"/>
+                                  </p:stCondLst>
+                                  <p:childTnLst>
+                                    <p:set>
+                                      <p:cBhvr>
+                                        <p:cTn id="6" dur="1" fill="hold">
+                                          <p:stCondLst>
+                                            <p:cond delay="0"/>
+                                          </p:stCondLst>
+                                        </p:cTn>
+                                        <p:tgtEl>
+                                          <p:spTgt spid="6"/>
+                                        </p:tgtEl>
+                                        <p:attrNameLst>
+                                          <p:attrName>style.visibility</p:attrName>
+                                        </p:attrNameLst>
+                                      </p:cBhvr>
+                                      <p:to>
+                                        <p:strVal val="visible"/>
+                                      </p:to>
+                                    </p:set>
+                                    <p:animEffect transition="in" filter="blinds(horizontal)">
+                                      <p:cBhvr>
+                                        <p:cTn id="7" dur="500"/>
+                                        <p:tgtEl>
+                                          <p:spTgt spid="6"/>
+                                        </p:tgtEl>
+                                      </p:cBhvr>
+                                    </p:animEffect>
+                                  </p:childTnLst>
+                                </p:cTn>
+                              </p:par>
+                              <p:par>
+                                <p:cTn id="8" presetID="3" presetClass="entr" presetSubtype="10" fill="hold" grpId="0" nodeType="withEffect">
+                                  <p:stCondLst>
+                                    <p:cond delay="0"/>
+                                  </p:stCondLst>
+                                  <p:childTnLst>
+                                    <p:set>
+                                      <p:cBhvr>
+                                        <p:cTn id="9" dur="1" fill="hold">
+                                          <p:stCondLst>
+                                            <p:cond delay="0"/>
+                                          </p:stCondLst>
+                                        </p:cTn>
+                                        <p:tgtEl>
+                                          <p:spTgt spid="7"/>
+                                        </p:tgtEl>
+                                        <p:attrNameLst>
+                                          <p:attrName>style.visibility</p:attrName>
+                                        </p:attrNameLst>
+                                      </p:cBhvr>
+                                      <p:to>
+                                        <p:strVal val="visible"/>
+                                      </p:to>
+                                    </p:set>
+                                    <p:animEffect transition="in" filter="blinds(horizontal)">
+                                      <p:cBhvr>
+                                        <p:cTn id="10" dur="500"/>
+                                        <p:tgtEl>
+                                          <p:spTgt spid="7"/>
+                                        </p:tgtEl>
+                                      </p:cBhvr>
+                                    </p:animEffect>
+                                  </p:childTnLst>
+                                </p:cTn>
+                              </p:par>
+                            </p:childTnLst>
+                          </p:cTn>
+                        </p:par>
+                      </p:childTnLst>
+                    </p:cTn>
+                  </p:par>
+                  <p:par>
+                    <p:cTn id="11" fill="hold">
+                      <p:stCondLst>
+                        <p:cond delay="indefinite"/>
+                      </p:stCondLst>
+                      <p:childTnLst>
+                        <p:par>
+                          <p:cTn id="12" fill="hold">
+                            <p:stCondLst>
+                              <p:cond delay="0"/>
+                            </p:stCondLst>
+                            <p:childTnLst>
+                              <p:par>
+                                <p:cTn id="13" presetID="3" presetClass="entr" presetSubtype="10" fill="hold" grpId="0" nodeType="clickEffect">
+                                  <p:stCondLst>
+                                    <p:cond delay="0"/>
+                                  </p:stCondLst>
+                                  <p:childTnLst>
+                                    <p:set>
+                                      <p:cBhvr>
+                                        <p:cTn id="14" dur="1" fill="hold">
+                                          <p:stCondLst>
+                                            <p:cond delay="0"/>
+                                          </p:stCondLst>
+                                        </p:cTn>
+                                        <p:tgtEl>
+                                          <p:spTgt spid="2"/>
+                                        </p:tgtEl>
+                                        <p:attrNameLst>
+                                          <p:attrName>style.visibility</p:attrName>
+                                        </p:attrNameLst>
+                                      </p:cBhvr>
+                                      <p:to>
+                                        <p:strVal val="visible"/>
+                                      </p:to>
+                                    </p:set>
+                                    <p:animEffect transition="in" filter="blinds(horizontal)">
+                                      <p:cBhvr>
+                                        <p:cTn id="15" dur="500"/>
+                                        <p:tgtEl>
+                                          <p:spTgt spid="2"/>
+                                        </p:tgtEl>
+                                      </p:cBhvr>
+                                    </p:animEffect>
+                                  </p:childTnLst>
+                                </p:cTn>
+                              </p:par>
+                              <p:par>
+                                <p:cTn id="16" presetID="3" presetClass="entr" presetSubtype="10" fill="hold" grpId="0" nodeType="withEffect">
+                                  <p:stCondLst>
+                                    <p:cond delay="0"/>
+                                  </p:stCondLst>
+                                  <p:childTnLst>
+                                    <p:set>
+                                      <p:cBhvr>
+                                        <p:cTn id="17" dur="1" fill="hold">
+                                          <p:stCondLst>
+                                            <p:cond delay="0"/>
+                                          </p:stCondLst>
+                                        </p:cTn>
+                                        <p:tgtEl>
+                                          <p:spTgt spid="5"/>
+                                        </p:tgtEl>
+                                        <p:attrNameLst>
+                                          <p:attrName>style.visibility</p:attrName>
+                                        </p:attrNameLst>
+                                      </p:cBhvr>
+                                      <p:to>
+                                        <p:strVal val="visible"/>
+                                      </p:to>
+                                    </p:set>
+                                    <p:animEffect transition="in" filter="blinds(horizontal)">
+                                      <p:cBhvr>
+                                        <p:cTn id="18" dur="500"/>
+                                        <p:tgtEl>
+                                          <p:spTgt spid="5"/>
+                                        </p:tgtEl>
+                                      </p:cBhvr>
+                                    </p:animEffect>
+                                  </p:childTnLst>
+                                </p:cTn>
+                              </p:par>
+                            </p:childTnLst>
+                          </p:cTn>
+                        </p:par>
+                      </p:childTnLst>
+                    </p:cTn>
+                  </p:par>
+                </p:childTnLst>
+              </p:cTn>
+              <p:prevCondLst>
+                <p:cond evt="onPrev" delay="0">
+                  <p:tgtEl>
+                    <p:sldTgt/>
+                  </p:tgtEl>
+                </p:cond>
+              </p:prevCondLst>
+              <p:nextCondLst>
+                <p:cond evt="onNext" delay="0">
+                  <p:tgtEl>
+                    <p:sldTgt/>
+                  </p:tgtEl>
+                </p:cond>
+              </p:nextCondLst>
+            </p:seq>
+          </p:childTnLst>
+        </p:cTn>
       </p:par>
     </p:tnLst>
+    <p:bldLst>
+      <p:bldP spid="6" grpId="0" animBg="1"/>
+      <p:bldP spid="7" grpId="0"/>
+      <p:bldP spid="2" grpId="0" animBg="1"/>
+      <p:bldP spid="5" grpId="0"/>
+    </p:bldLst>
   </p:timing>
 </p:sld>
 </file>
@@ -12672,7 +12941,7 @@
           <p:cNvPr id="16" name="组合 15">
             <a:extLst>
               <a:ext uri="{FF2B5EF4-FFF2-40B4-BE49-F238E27FC236}">
-                <a16:creationId xmlns:a16="http://schemas.microsoft.com/office/drawing/2014/main" xmlns="" id="{E91B9790-859E-4551-9767-82C8E39A1D3F}"/>
+                <a16:creationId xmlns="" xmlns:a16="http://schemas.microsoft.com/office/drawing/2014/main" id="{E91B9790-859E-4551-9767-82C8E39A1D3F}"/>
               </a:ext>
             </a:extLst>
           </p:cNvPr>
@@ -12692,7 +12961,7 @@
             <p:cNvPr id="17" name="MH_Entry_1">
               <a:extLst>
                 <a:ext uri="{FF2B5EF4-FFF2-40B4-BE49-F238E27FC236}">
-                  <a16:creationId xmlns:a16="http://schemas.microsoft.com/office/drawing/2014/main" xmlns="" id="{3EA6CCAA-D534-4427-9CD2-99406F1DD94C}"/>
+                  <a16:creationId xmlns="" xmlns:a16="http://schemas.microsoft.com/office/drawing/2014/main" id="{3EA6CCAA-D534-4427-9CD2-99406F1DD94C}"/>
                 </a:ext>
               </a:extLst>
             </p:cNvPr>
@@ -12934,7 +13203,7 @@
             <p:cNvPr id="18" name="直接连接符 3">
               <a:extLst>
                 <a:ext uri="{FF2B5EF4-FFF2-40B4-BE49-F238E27FC236}">
-                  <a16:creationId xmlns:a16="http://schemas.microsoft.com/office/drawing/2014/main" xmlns="" id="{616A7946-B564-41CA-89F3-BFBBB2840685}"/>
+                  <a16:creationId xmlns="" xmlns:a16="http://schemas.microsoft.com/office/drawing/2014/main" id="{616A7946-B564-41CA-89F3-BFBBB2840685}"/>
                 </a:ext>
               </a:extLst>
             </p:cNvPr>
@@ -12975,7 +13244,7 @@
             <p:cNvPr id="19" name="直接连接符 4">
               <a:extLst>
                 <a:ext uri="{FF2B5EF4-FFF2-40B4-BE49-F238E27FC236}">
-                  <a16:creationId xmlns:a16="http://schemas.microsoft.com/office/drawing/2014/main" xmlns="" id="{B8ED999C-ED27-4131-B5DD-1B4CEE357823}"/>
+                  <a16:creationId xmlns="" xmlns:a16="http://schemas.microsoft.com/office/drawing/2014/main" id="{B8ED999C-ED27-4131-B5DD-1B4CEE357823}"/>
                 </a:ext>
               </a:extLst>
             </p:cNvPr>
@@ -13017,7 +13286,7 @@
           <p:cNvPr id="20" name="Picture 19">
             <a:extLst>
               <a:ext uri="{FF2B5EF4-FFF2-40B4-BE49-F238E27FC236}">
-                <a16:creationId xmlns:a16="http://schemas.microsoft.com/office/drawing/2014/main" xmlns="" id="{AC1EE4D3-D548-614A-883E-EB1125663F5B}"/>
+                <a16:creationId xmlns="" xmlns:a16="http://schemas.microsoft.com/office/drawing/2014/main" id="{AC1EE4D3-D548-614A-883E-EB1125663F5B}"/>
               </a:ext>
             </a:extLst>
           </p:cNvPr>
@@ -13053,7 +13322,7 @@
           <p:cNvPr id="5" name="Picture 4">
             <a:extLst>
               <a:ext uri="{FF2B5EF4-FFF2-40B4-BE49-F238E27FC236}">
-                <a16:creationId xmlns:a16="http://schemas.microsoft.com/office/drawing/2014/main" xmlns="" id="{C21061A8-F5EB-2449-B967-135C127BB0DE}"/>
+                <a16:creationId xmlns="" xmlns:a16="http://schemas.microsoft.com/office/drawing/2014/main" id="{C21061A8-F5EB-2449-B967-135C127BB0DE}"/>
               </a:ext>
             </a:extLst>
           </p:cNvPr>
@@ -13089,7 +13358,7 @@
           <p:cNvPr id="6" name="Rectangle 5">
             <a:extLst>
               <a:ext uri="{FF2B5EF4-FFF2-40B4-BE49-F238E27FC236}">
-                <a16:creationId xmlns:a16="http://schemas.microsoft.com/office/drawing/2014/main" xmlns="" id="{0151A3A0-DFAD-5A43-9F65-632782094B22}"/>
+                <a16:creationId xmlns="" xmlns:a16="http://schemas.microsoft.com/office/drawing/2014/main" id="{0151A3A0-DFAD-5A43-9F65-632782094B22}"/>
               </a:ext>
             </a:extLst>
           </p:cNvPr>
@@ -13139,7 +13408,7 @@
           <p:cNvPr id="24" name="Rectangle 23">
             <a:extLst>
               <a:ext uri="{FF2B5EF4-FFF2-40B4-BE49-F238E27FC236}">
-                <a16:creationId xmlns:a16="http://schemas.microsoft.com/office/drawing/2014/main" xmlns="" id="{2EF49AFD-731E-1D42-84AA-ECF8CFE0AD27}"/>
+                <a16:creationId xmlns="" xmlns:a16="http://schemas.microsoft.com/office/drawing/2014/main" id="{2EF49AFD-731E-1D42-84AA-ECF8CFE0AD27}"/>
               </a:ext>
             </a:extLst>
           </p:cNvPr>
@@ -13189,7 +13458,7 @@
           <p:cNvPr id="25" name="Rectangle 24">
             <a:extLst>
               <a:ext uri="{FF2B5EF4-FFF2-40B4-BE49-F238E27FC236}">
-                <a16:creationId xmlns:a16="http://schemas.microsoft.com/office/drawing/2014/main" xmlns="" id="{63E1715D-8E3C-AF44-BDCA-E2E1D4CAE4FE}"/>
+                <a16:creationId xmlns="" xmlns:a16="http://schemas.microsoft.com/office/drawing/2014/main" id="{63E1715D-8E3C-AF44-BDCA-E2E1D4CAE4FE}"/>
               </a:ext>
             </a:extLst>
           </p:cNvPr>
@@ -13239,7 +13508,7 @@
           <p:cNvPr id="26" name="Rectangle 25">
             <a:extLst>
               <a:ext uri="{FF2B5EF4-FFF2-40B4-BE49-F238E27FC236}">
-                <a16:creationId xmlns:a16="http://schemas.microsoft.com/office/drawing/2014/main" xmlns="" id="{C4079009-41C2-554B-A32B-E8102FA9D758}"/>
+                <a16:creationId xmlns="" xmlns:a16="http://schemas.microsoft.com/office/drawing/2014/main" id="{C4079009-41C2-554B-A32B-E8102FA9D758}"/>
               </a:ext>
             </a:extLst>
           </p:cNvPr>
@@ -13289,7 +13558,7 @@
           <p:cNvPr id="27" name="Rectangle 26">
             <a:extLst>
               <a:ext uri="{FF2B5EF4-FFF2-40B4-BE49-F238E27FC236}">
-                <a16:creationId xmlns:a16="http://schemas.microsoft.com/office/drawing/2014/main" xmlns="" id="{F8FBD2EE-4D84-794A-BADC-2AE7A349A8EC}"/>
+                <a16:creationId xmlns="" xmlns:a16="http://schemas.microsoft.com/office/drawing/2014/main" id="{F8FBD2EE-4D84-794A-BADC-2AE7A349A8EC}"/>
               </a:ext>
             </a:extLst>
           </p:cNvPr>
@@ -13862,7 +14131,7 @@
           <p:cNvPr id="3" name="Group 2">
             <a:extLst>
               <a:ext uri="{FF2B5EF4-FFF2-40B4-BE49-F238E27FC236}">
-                <a16:creationId xmlns:a16="http://schemas.microsoft.com/office/drawing/2014/main" xmlns="" id="{B5527A81-253B-2645-830D-D7800E79333E}"/>
+                <a16:creationId xmlns="" xmlns:a16="http://schemas.microsoft.com/office/drawing/2014/main" id="{B5527A81-253B-2645-830D-D7800E79333E}"/>
               </a:ext>
             </a:extLst>
           </p:cNvPr>
@@ -14780,7 +15049,7 @@
             <p:cNvPr id="2" name="矩形 1">
               <a:extLst>
                 <a:ext uri="{FF2B5EF4-FFF2-40B4-BE49-F238E27FC236}">
-                  <a16:creationId xmlns:a16="http://schemas.microsoft.com/office/drawing/2014/main" xmlns="" id="{69D86ADA-592D-4BA5-B0F7-CDD82909CF2F}"/>
+                  <a16:creationId xmlns="" xmlns:a16="http://schemas.microsoft.com/office/drawing/2014/main" id="{69D86ADA-592D-4BA5-B0F7-CDD82909CF2F}"/>
                 </a:ext>
               </a:extLst>
             </p:cNvPr>
@@ -14833,7 +15102,7 @@
           <p:cNvPr id="35" name="组合 34">
             <a:extLst>
               <a:ext uri="{FF2B5EF4-FFF2-40B4-BE49-F238E27FC236}">
-                <a16:creationId xmlns:a16="http://schemas.microsoft.com/office/drawing/2014/main" xmlns="" id="{241F6EED-51C1-4BC7-AB38-2FEC7F6C0A4B}"/>
+                <a16:creationId xmlns="" xmlns:a16="http://schemas.microsoft.com/office/drawing/2014/main" id="{241F6EED-51C1-4BC7-AB38-2FEC7F6C0A4B}"/>
               </a:ext>
             </a:extLst>
           </p:cNvPr>
@@ -14853,7 +15122,7 @@
             <p:cNvPr id="38" name="MH_Entry_1">
               <a:extLst>
                 <a:ext uri="{FF2B5EF4-FFF2-40B4-BE49-F238E27FC236}">
-                  <a16:creationId xmlns:a16="http://schemas.microsoft.com/office/drawing/2014/main" xmlns="" id="{9BFBB467-D2B1-4C42-B0C3-FCF7C3624E4D}"/>
+                  <a16:creationId xmlns="" xmlns:a16="http://schemas.microsoft.com/office/drawing/2014/main" id="{9BFBB467-D2B1-4C42-B0C3-FCF7C3624E4D}"/>
                 </a:ext>
               </a:extLst>
             </p:cNvPr>
@@ -15095,7 +15364,7 @@
             <p:cNvPr id="39" name="直接连接符 3">
               <a:extLst>
                 <a:ext uri="{FF2B5EF4-FFF2-40B4-BE49-F238E27FC236}">
-                  <a16:creationId xmlns:a16="http://schemas.microsoft.com/office/drawing/2014/main" xmlns="" id="{B36EA434-2DE6-49FD-B5B1-960F9FFF4446}"/>
+                  <a16:creationId xmlns="" xmlns:a16="http://schemas.microsoft.com/office/drawing/2014/main" id="{B36EA434-2DE6-49FD-B5B1-960F9FFF4446}"/>
                 </a:ext>
               </a:extLst>
             </p:cNvPr>
@@ -15136,7 +15405,7 @@
             <p:cNvPr id="40" name="直接连接符 4">
               <a:extLst>
                 <a:ext uri="{FF2B5EF4-FFF2-40B4-BE49-F238E27FC236}">
-                  <a16:creationId xmlns:a16="http://schemas.microsoft.com/office/drawing/2014/main" xmlns="" id="{8285E52C-8BF9-4109-AC88-146C5DE37124}"/>
+                  <a16:creationId xmlns="" xmlns:a16="http://schemas.microsoft.com/office/drawing/2014/main" id="{8285E52C-8BF9-4109-AC88-146C5DE37124}"/>
                 </a:ext>
               </a:extLst>
             </p:cNvPr>
@@ -16011,7 +16280,7 @@
           <p:cNvPr id="21" name="组合 20">
             <a:extLst>
               <a:ext uri="{FF2B5EF4-FFF2-40B4-BE49-F238E27FC236}">
-                <a16:creationId xmlns:a16="http://schemas.microsoft.com/office/drawing/2014/main" xmlns="" id="{1EA74151-B893-4E33-ADE9-4F92B7FA943A}"/>
+                <a16:creationId xmlns="" xmlns:a16="http://schemas.microsoft.com/office/drawing/2014/main" id="{1EA74151-B893-4E33-ADE9-4F92B7FA943A}"/>
               </a:ext>
             </a:extLst>
           </p:cNvPr>
@@ -16031,7 +16300,7 @@
             <p:cNvPr id="22" name="MH_Entry_1">
               <a:extLst>
                 <a:ext uri="{FF2B5EF4-FFF2-40B4-BE49-F238E27FC236}">
-                  <a16:creationId xmlns:a16="http://schemas.microsoft.com/office/drawing/2014/main" xmlns="" id="{E8DB6D77-11FF-4B3D-B64A-8673E368ABE0}"/>
+                  <a16:creationId xmlns="" xmlns:a16="http://schemas.microsoft.com/office/drawing/2014/main" id="{E8DB6D77-11FF-4B3D-B64A-8673E368ABE0}"/>
                 </a:ext>
               </a:extLst>
             </p:cNvPr>
@@ -16273,7 +16542,7 @@
             <p:cNvPr id="23" name="直接连接符 3">
               <a:extLst>
                 <a:ext uri="{FF2B5EF4-FFF2-40B4-BE49-F238E27FC236}">
-                  <a16:creationId xmlns:a16="http://schemas.microsoft.com/office/drawing/2014/main" xmlns="" id="{35F2312A-767F-4F93-A531-D2A481F50F08}"/>
+                  <a16:creationId xmlns="" xmlns:a16="http://schemas.microsoft.com/office/drawing/2014/main" id="{35F2312A-767F-4F93-A531-D2A481F50F08}"/>
                 </a:ext>
               </a:extLst>
             </p:cNvPr>
@@ -16314,7 +16583,7 @@
             <p:cNvPr id="24" name="直接连接符 4">
               <a:extLst>
                 <a:ext uri="{FF2B5EF4-FFF2-40B4-BE49-F238E27FC236}">
-                  <a16:creationId xmlns:a16="http://schemas.microsoft.com/office/drawing/2014/main" xmlns="" id="{811CD831-3AD1-4CC1-B737-C0F22E773639}"/>
+                  <a16:creationId xmlns="" xmlns:a16="http://schemas.microsoft.com/office/drawing/2014/main" id="{811CD831-3AD1-4CC1-B737-C0F22E773639}"/>
                 </a:ext>
               </a:extLst>
             </p:cNvPr>
@@ -16923,7 +17192,7 @@
           <p:cNvPr id="44" name="组合 43">
             <a:extLst>
               <a:ext uri="{FF2B5EF4-FFF2-40B4-BE49-F238E27FC236}">
-                <a16:creationId xmlns:a16="http://schemas.microsoft.com/office/drawing/2014/main" xmlns="" id="{1EA74151-B893-4E33-ADE9-4F92B7FA943A}"/>
+                <a16:creationId xmlns="" xmlns:a16="http://schemas.microsoft.com/office/drawing/2014/main" id="{1EA74151-B893-4E33-ADE9-4F92B7FA943A}"/>
               </a:ext>
             </a:extLst>
           </p:cNvPr>
@@ -16943,7 +17212,7 @@
             <p:cNvPr id="45" name="MH_Entry_1">
               <a:extLst>
                 <a:ext uri="{FF2B5EF4-FFF2-40B4-BE49-F238E27FC236}">
-                  <a16:creationId xmlns:a16="http://schemas.microsoft.com/office/drawing/2014/main" xmlns="" id="{E8DB6D77-11FF-4B3D-B64A-8673E368ABE0}"/>
+                  <a16:creationId xmlns="" xmlns:a16="http://schemas.microsoft.com/office/drawing/2014/main" id="{E8DB6D77-11FF-4B3D-B64A-8673E368ABE0}"/>
                 </a:ext>
               </a:extLst>
             </p:cNvPr>
@@ -17185,7 +17454,7 @@
             <p:cNvPr id="46" name="直接连接符 3">
               <a:extLst>
                 <a:ext uri="{FF2B5EF4-FFF2-40B4-BE49-F238E27FC236}">
-                  <a16:creationId xmlns:a16="http://schemas.microsoft.com/office/drawing/2014/main" xmlns="" id="{35F2312A-767F-4F93-A531-D2A481F50F08}"/>
+                  <a16:creationId xmlns="" xmlns:a16="http://schemas.microsoft.com/office/drawing/2014/main" id="{35F2312A-767F-4F93-A531-D2A481F50F08}"/>
                 </a:ext>
               </a:extLst>
             </p:cNvPr>
@@ -17226,7 +17495,7 @@
             <p:cNvPr id="47" name="直接连接符 4">
               <a:extLst>
                 <a:ext uri="{FF2B5EF4-FFF2-40B4-BE49-F238E27FC236}">
-                  <a16:creationId xmlns:a16="http://schemas.microsoft.com/office/drawing/2014/main" xmlns="" id="{811CD831-3AD1-4CC1-B737-C0F22E773639}"/>
+                  <a16:creationId xmlns="" xmlns:a16="http://schemas.microsoft.com/office/drawing/2014/main" id="{811CD831-3AD1-4CC1-B737-C0F22E773639}"/>
                 </a:ext>
               </a:extLst>
             </p:cNvPr>
@@ -18293,7 +18562,7 @@
           <p:cNvPr id="41" name="组合 40">
             <a:extLst>
               <a:ext uri="{FF2B5EF4-FFF2-40B4-BE49-F238E27FC236}">
-                <a16:creationId xmlns:a16="http://schemas.microsoft.com/office/drawing/2014/main" xmlns="" id="{1EA74151-B893-4E33-ADE9-4F92B7FA943A}"/>
+                <a16:creationId xmlns="" xmlns:a16="http://schemas.microsoft.com/office/drawing/2014/main" id="{1EA74151-B893-4E33-ADE9-4F92B7FA943A}"/>
               </a:ext>
             </a:extLst>
           </p:cNvPr>
@@ -18313,7 +18582,7 @@
             <p:cNvPr id="42" name="MH_Entry_1">
               <a:extLst>
                 <a:ext uri="{FF2B5EF4-FFF2-40B4-BE49-F238E27FC236}">
-                  <a16:creationId xmlns:a16="http://schemas.microsoft.com/office/drawing/2014/main" xmlns="" id="{E8DB6D77-11FF-4B3D-B64A-8673E368ABE0}"/>
+                  <a16:creationId xmlns="" xmlns:a16="http://schemas.microsoft.com/office/drawing/2014/main" id="{E8DB6D77-11FF-4B3D-B64A-8673E368ABE0}"/>
                 </a:ext>
               </a:extLst>
             </p:cNvPr>
@@ -18555,7 +18824,7 @@
             <p:cNvPr id="43" name="直接连接符 3">
               <a:extLst>
                 <a:ext uri="{FF2B5EF4-FFF2-40B4-BE49-F238E27FC236}">
-                  <a16:creationId xmlns:a16="http://schemas.microsoft.com/office/drawing/2014/main" xmlns="" id="{35F2312A-767F-4F93-A531-D2A481F50F08}"/>
+                  <a16:creationId xmlns="" xmlns:a16="http://schemas.microsoft.com/office/drawing/2014/main" id="{35F2312A-767F-4F93-A531-D2A481F50F08}"/>
                 </a:ext>
               </a:extLst>
             </p:cNvPr>
@@ -18596,7 +18865,7 @@
             <p:cNvPr id="44" name="直接连接符 4">
               <a:extLst>
                 <a:ext uri="{FF2B5EF4-FFF2-40B4-BE49-F238E27FC236}">
-                  <a16:creationId xmlns:a16="http://schemas.microsoft.com/office/drawing/2014/main" xmlns="" id="{811CD831-3AD1-4CC1-B737-C0F22E773639}"/>
+                  <a16:creationId xmlns="" xmlns:a16="http://schemas.microsoft.com/office/drawing/2014/main" id="{811CD831-3AD1-4CC1-B737-C0F22E773639}"/>
                 </a:ext>
               </a:extLst>
             </p:cNvPr>
@@ -19935,7 +20204,7 @@
           <p:cNvPr id="27" name="组合 26">
             <a:extLst>
               <a:ext uri="{FF2B5EF4-FFF2-40B4-BE49-F238E27FC236}">
-                <a16:creationId xmlns:a16="http://schemas.microsoft.com/office/drawing/2014/main" xmlns="" id="{1EA74151-B893-4E33-ADE9-4F92B7FA943A}"/>
+                <a16:creationId xmlns="" xmlns:a16="http://schemas.microsoft.com/office/drawing/2014/main" id="{1EA74151-B893-4E33-ADE9-4F92B7FA943A}"/>
               </a:ext>
             </a:extLst>
           </p:cNvPr>
@@ -19955,7 +20224,7 @@
             <p:cNvPr id="28" name="MH_Entry_1">
               <a:extLst>
                 <a:ext uri="{FF2B5EF4-FFF2-40B4-BE49-F238E27FC236}">
-                  <a16:creationId xmlns:a16="http://schemas.microsoft.com/office/drawing/2014/main" xmlns="" id="{E8DB6D77-11FF-4B3D-B64A-8673E368ABE0}"/>
+                  <a16:creationId xmlns="" xmlns:a16="http://schemas.microsoft.com/office/drawing/2014/main" id="{E8DB6D77-11FF-4B3D-B64A-8673E368ABE0}"/>
                 </a:ext>
               </a:extLst>
             </p:cNvPr>
@@ -20197,7 +20466,7 @@
             <p:cNvPr id="29" name="直接连接符 3">
               <a:extLst>
                 <a:ext uri="{FF2B5EF4-FFF2-40B4-BE49-F238E27FC236}">
-                  <a16:creationId xmlns:a16="http://schemas.microsoft.com/office/drawing/2014/main" xmlns="" id="{35F2312A-767F-4F93-A531-D2A481F50F08}"/>
+                  <a16:creationId xmlns="" xmlns:a16="http://schemas.microsoft.com/office/drawing/2014/main" id="{35F2312A-767F-4F93-A531-D2A481F50F08}"/>
                 </a:ext>
               </a:extLst>
             </p:cNvPr>
@@ -20238,7 +20507,7 @@
             <p:cNvPr id="30" name="直接连接符 4">
               <a:extLst>
                 <a:ext uri="{FF2B5EF4-FFF2-40B4-BE49-F238E27FC236}">
-                  <a16:creationId xmlns:a16="http://schemas.microsoft.com/office/drawing/2014/main" xmlns="" id="{811CD831-3AD1-4CC1-B737-C0F22E773639}"/>
+                  <a16:creationId xmlns="" xmlns:a16="http://schemas.microsoft.com/office/drawing/2014/main" id="{811CD831-3AD1-4CC1-B737-C0F22E773639}"/>
                 </a:ext>
               </a:extLst>
             </p:cNvPr>
@@ -20405,7 +20674,7 @@
           <p:cNvPr id="8" name="组合 7">
             <a:extLst>
               <a:ext uri="{FF2B5EF4-FFF2-40B4-BE49-F238E27FC236}">
-                <a16:creationId xmlns:a16="http://schemas.microsoft.com/office/drawing/2014/main" xmlns="" id="{1EA74151-B893-4E33-ADE9-4F92B7FA943A}"/>
+                <a16:creationId xmlns="" xmlns:a16="http://schemas.microsoft.com/office/drawing/2014/main" id="{1EA74151-B893-4E33-ADE9-4F92B7FA943A}"/>
               </a:ext>
             </a:extLst>
           </p:cNvPr>
@@ -20425,7 +20694,7 @@
             <p:cNvPr id="9" name="MH_Entry_1">
               <a:extLst>
                 <a:ext uri="{FF2B5EF4-FFF2-40B4-BE49-F238E27FC236}">
-                  <a16:creationId xmlns:a16="http://schemas.microsoft.com/office/drawing/2014/main" xmlns="" id="{E8DB6D77-11FF-4B3D-B64A-8673E368ABE0}"/>
+                  <a16:creationId xmlns="" xmlns:a16="http://schemas.microsoft.com/office/drawing/2014/main" id="{E8DB6D77-11FF-4B3D-B64A-8673E368ABE0}"/>
                 </a:ext>
               </a:extLst>
             </p:cNvPr>
@@ -20667,7 +20936,7 @@
             <p:cNvPr id="10" name="直接连接符 3">
               <a:extLst>
                 <a:ext uri="{FF2B5EF4-FFF2-40B4-BE49-F238E27FC236}">
-                  <a16:creationId xmlns:a16="http://schemas.microsoft.com/office/drawing/2014/main" xmlns="" id="{35F2312A-767F-4F93-A531-D2A481F50F08}"/>
+                  <a16:creationId xmlns="" xmlns:a16="http://schemas.microsoft.com/office/drawing/2014/main" id="{35F2312A-767F-4F93-A531-D2A481F50F08}"/>
                 </a:ext>
               </a:extLst>
             </p:cNvPr>
@@ -20708,7 +20977,7 @@
             <p:cNvPr id="11" name="直接连接符 4">
               <a:extLst>
                 <a:ext uri="{FF2B5EF4-FFF2-40B4-BE49-F238E27FC236}">
-                  <a16:creationId xmlns:a16="http://schemas.microsoft.com/office/drawing/2014/main" xmlns="" id="{811CD831-3AD1-4CC1-B737-C0F22E773639}"/>
+                  <a16:creationId xmlns="" xmlns:a16="http://schemas.microsoft.com/office/drawing/2014/main" id="{811CD831-3AD1-4CC1-B737-C0F22E773639}"/>
                 </a:ext>
               </a:extLst>
             </p:cNvPr>
@@ -20869,7 +21138,7 @@
           <p:cNvPr id="37" name="组合 36">
             <a:extLst>
               <a:ext uri="{FF2B5EF4-FFF2-40B4-BE49-F238E27FC236}">
-                <a16:creationId xmlns:a16="http://schemas.microsoft.com/office/drawing/2014/main" xmlns="" id="{1EA74151-B893-4E33-ADE9-4F92B7FA943A}"/>
+                <a16:creationId xmlns="" xmlns:a16="http://schemas.microsoft.com/office/drawing/2014/main" id="{1EA74151-B893-4E33-ADE9-4F92B7FA943A}"/>
               </a:ext>
             </a:extLst>
           </p:cNvPr>
@@ -20889,7 +21158,7 @@
             <p:cNvPr id="41" name="MH_Entry_1">
               <a:extLst>
                 <a:ext uri="{FF2B5EF4-FFF2-40B4-BE49-F238E27FC236}">
-                  <a16:creationId xmlns:a16="http://schemas.microsoft.com/office/drawing/2014/main" xmlns="" id="{E8DB6D77-11FF-4B3D-B64A-8673E368ABE0}"/>
+                  <a16:creationId xmlns="" xmlns:a16="http://schemas.microsoft.com/office/drawing/2014/main" id="{E8DB6D77-11FF-4B3D-B64A-8673E368ABE0}"/>
                 </a:ext>
               </a:extLst>
             </p:cNvPr>
@@ -21144,7 +21413,7 @@
             <p:cNvPr id="42" name="直接连接符 3">
               <a:extLst>
                 <a:ext uri="{FF2B5EF4-FFF2-40B4-BE49-F238E27FC236}">
-                  <a16:creationId xmlns:a16="http://schemas.microsoft.com/office/drawing/2014/main" xmlns="" id="{35F2312A-767F-4F93-A531-D2A481F50F08}"/>
+                  <a16:creationId xmlns="" xmlns:a16="http://schemas.microsoft.com/office/drawing/2014/main" id="{35F2312A-767F-4F93-A531-D2A481F50F08}"/>
                 </a:ext>
               </a:extLst>
             </p:cNvPr>
@@ -21185,7 +21454,7 @@
             <p:cNvPr id="43" name="直接连接符 4">
               <a:extLst>
                 <a:ext uri="{FF2B5EF4-FFF2-40B4-BE49-F238E27FC236}">
-                  <a16:creationId xmlns:a16="http://schemas.microsoft.com/office/drawing/2014/main" xmlns="" id="{811CD831-3AD1-4CC1-B737-C0F22E773639}"/>
+                  <a16:creationId xmlns="" xmlns:a16="http://schemas.microsoft.com/office/drawing/2014/main" id="{811CD831-3AD1-4CC1-B737-C0F22E773639}"/>
                 </a:ext>
               </a:extLst>
             </p:cNvPr>
@@ -22404,7 +22673,7 @@
           <p:cNvPr id="37" name="组合 36">
             <a:extLst>
               <a:ext uri="{FF2B5EF4-FFF2-40B4-BE49-F238E27FC236}">
-                <a16:creationId xmlns:a16="http://schemas.microsoft.com/office/drawing/2014/main" xmlns="" id="{1EA74151-B893-4E33-ADE9-4F92B7FA943A}"/>
+                <a16:creationId xmlns="" xmlns:a16="http://schemas.microsoft.com/office/drawing/2014/main" id="{1EA74151-B893-4E33-ADE9-4F92B7FA943A}"/>
               </a:ext>
             </a:extLst>
           </p:cNvPr>
@@ -22424,7 +22693,7 @@
             <p:cNvPr id="41" name="MH_Entry_1">
               <a:extLst>
                 <a:ext uri="{FF2B5EF4-FFF2-40B4-BE49-F238E27FC236}">
-                  <a16:creationId xmlns:a16="http://schemas.microsoft.com/office/drawing/2014/main" xmlns="" id="{E8DB6D77-11FF-4B3D-B64A-8673E368ABE0}"/>
+                  <a16:creationId xmlns="" xmlns:a16="http://schemas.microsoft.com/office/drawing/2014/main" id="{E8DB6D77-11FF-4B3D-B64A-8673E368ABE0}"/>
                 </a:ext>
               </a:extLst>
             </p:cNvPr>
@@ -22679,7 +22948,7 @@
             <p:cNvPr id="42" name="直接连接符 3">
               <a:extLst>
                 <a:ext uri="{FF2B5EF4-FFF2-40B4-BE49-F238E27FC236}">
-                  <a16:creationId xmlns:a16="http://schemas.microsoft.com/office/drawing/2014/main" xmlns="" id="{35F2312A-767F-4F93-A531-D2A481F50F08}"/>
+                  <a16:creationId xmlns="" xmlns:a16="http://schemas.microsoft.com/office/drawing/2014/main" id="{35F2312A-767F-4F93-A531-D2A481F50F08}"/>
                 </a:ext>
               </a:extLst>
             </p:cNvPr>
@@ -22720,7 +22989,7 @@
             <p:cNvPr id="43" name="直接连接符 4">
               <a:extLst>
                 <a:ext uri="{FF2B5EF4-FFF2-40B4-BE49-F238E27FC236}">
-                  <a16:creationId xmlns:a16="http://schemas.microsoft.com/office/drawing/2014/main" xmlns="" id="{811CD831-3AD1-4CC1-B737-C0F22E773639}"/>
+                  <a16:creationId xmlns="" xmlns:a16="http://schemas.microsoft.com/office/drawing/2014/main" id="{811CD831-3AD1-4CC1-B737-C0F22E773639}"/>
                 </a:ext>
               </a:extLst>
             </p:cNvPr>
@@ -23960,7 +24229,7 @@
           <p:cNvPr id="37" name="组合 36">
             <a:extLst>
               <a:ext uri="{FF2B5EF4-FFF2-40B4-BE49-F238E27FC236}">
-                <a16:creationId xmlns:a16="http://schemas.microsoft.com/office/drawing/2014/main" xmlns="" id="{1EA74151-B893-4E33-ADE9-4F92B7FA943A}"/>
+                <a16:creationId xmlns="" xmlns:a16="http://schemas.microsoft.com/office/drawing/2014/main" id="{1EA74151-B893-4E33-ADE9-4F92B7FA943A}"/>
               </a:ext>
             </a:extLst>
           </p:cNvPr>
@@ -23980,7 +24249,7 @@
             <p:cNvPr id="41" name="MH_Entry_1">
               <a:extLst>
                 <a:ext uri="{FF2B5EF4-FFF2-40B4-BE49-F238E27FC236}">
-                  <a16:creationId xmlns:a16="http://schemas.microsoft.com/office/drawing/2014/main" xmlns="" id="{E8DB6D77-11FF-4B3D-B64A-8673E368ABE0}"/>
+                  <a16:creationId xmlns="" xmlns:a16="http://schemas.microsoft.com/office/drawing/2014/main" id="{E8DB6D77-11FF-4B3D-B64A-8673E368ABE0}"/>
                 </a:ext>
               </a:extLst>
             </p:cNvPr>
@@ -24235,7 +24504,7 @@
             <p:cNvPr id="42" name="直接连接符 3">
               <a:extLst>
                 <a:ext uri="{FF2B5EF4-FFF2-40B4-BE49-F238E27FC236}">
-                  <a16:creationId xmlns:a16="http://schemas.microsoft.com/office/drawing/2014/main" xmlns="" id="{35F2312A-767F-4F93-A531-D2A481F50F08}"/>
+                  <a16:creationId xmlns="" xmlns:a16="http://schemas.microsoft.com/office/drawing/2014/main" id="{35F2312A-767F-4F93-A531-D2A481F50F08}"/>
                 </a:ext>
               </a:extLst>
             </p:cNvPr>
@@ -24276,7 +24545,7 @@
             <p:cNvPr id="43" name="直接连接符 4">
               <a:extLst>
                 <a:ext uri="{FF2B5EF4-FFF2-40B4-BE49-F238E27FC236}">
-                  <a16:creationId xmlns:a16="http://schemas.microsoft.com/office/drawing/2014/main" xmlns="" id="{811CD831-3AD1-4CC1-B737-C0F22E773639}"/>
+                  <a16:creationId xmlns="" xmlns:a16="http://schemas.microsoft.com/office/drawing/2014/main" id="{811CD831-3AD1-4CC1-B737-C0F22E773639}"/>
                 </a:ext>
               </a:extLst>
             </p:cNvPr>
@@ -25634,7 +25903,7 @@
           <p:cNvPr id="37" name="组合 36">
             <a:extLst>
               <a:ext uri="{FF2B5EF4-FFF2-40B4-BE49-F238E27FC236}">
-                <a16:creationId xmlns:a16="http://schemas.microsoft.com/office/drawing/2014/main" xmlns="" id="{1EA74151-B893-4E33-ADE9-4F92B7FA943A}"/>
+                <a16:creationId xmlns="" xmlns:a16="http://schemas.microsoft.com/office/drawing/2014/main" id="{1EA74151-B893-4E33-ADE9-4F92B7FA943A}"/>
               </a:ext>
             </a:extLst>
           </p:cNvPr>
@@ -25654,7 +25923,7 @@
             <p:cNvPr id="41" name="MH_Entry_1">
               <a:extLst>
                 <a:ext uri="{FF2B5EF4-FFF2-40B4-BE49-F238E27FC236}">
-                  <a16:creationId xmlns:a16="http://schemas.microsoft.com/office/drawing/2014/main" xmlns="" id="{E8DB6D77-11FF-4B3D-B64A-8673E368ABE0}"/>
+                  <a16:creationId xmlns="" xmlns:a16="http://schemas.microsoft.com/office/drawing/2014/main" id="{E8DB6D77-11FF-4B3D-B64A-8673E368ABE0}"/>
                 </a:ext>
               </a:extLst>
             </p:cNvPr>
@@ -25909,7 +26178,7 @@
             <p:cNvPr id="42" name="直接连接符 3">
               <a:extLst>
                 <a:ext uri="{FF2B5EF4-FFF2-40B4-BE49-F238E27FC236}">
-                  <a16:creationId xmlns:a16="http://schemas.microsoft.com/office/drawing/2014/main" xmlns="" id="{35F2312A-767F-4F93-A531-D2A481F50F08}"/>
+                  <a16:creationId xmlns="" xmlns:a16="http://schemas.microsoft.com/office/drawing/2014/main" id="{35F2312A-767F-4F93-A531-D2A481F50F08}"/>
                 </a:ext>
               </a:extLst>
             </p:cNvPr>
@@ -25950,7 +26219,7 @@
             <p:cNvPr id="43" name="直接连接符 4">
               <a:extLst>
                 <a:ext uri="{FF2B5EF4-FFF2-40B4-BE49-F238E27FC236}">
-                  <a16:creationId xmlns:a16="http://schemas.microsoft.com/office/drawing/2014/main" xmlns="" id="{811CD831-3AD1-4CC1-B737-C0F22E773639}"/>
+                  <a16:creationId xmlns="" xmlns:a16="http://schemas.microsoft.com/office/drawing/2014/main" id="{811CD831-3AD1-4CC1-B737-C0F22E773639}"/>
                 </a:ext>
               </a:extLst>
             </p:cNvPr>
@@ -27614,7 +27883,7 @@
           <p:cNvPr id="2" name="组合 1">
             <a:extLst>
               <a:ext uri="{FF2B5EF4-FFF2-40B4-BE49-F238E27FC236}">
-                <a16:creationId xmlns:a16="http://schemas.microsoft.com/office/drawing/2014/main" xmlns="" id="{1EA74151-B893-4E33-ADE9-4F92B7FA943A}"/>
+                <a16:creationId xmlns="" xmlns:a16="http://schemas.microsoft.com/office/drawing/2014/main" id="{1EA74151-B893-4E33-ADE9-4F92B7FA943A}"/>
               </a:ext>
             </a:extLst>
           </p:cNvPr>
@@ -27634,7 +27903,7 @@
             <p:cNvPr id="3" name="MH_Entry_1">
               <a:extLst>
                 <a:ext uri="{FF2B5EF4-FFF2-40B4-BE49-F238E27FC236}">
-                  <a16:creationId xmlns:a16="http://schemas.microsoft.com/office/drawing/2014/main" xmlns="" id="{E8DB6D77-11FF-4B3D-B64A-8673E368ABE0}"/>
+                  <a16:creationId xmlns="" xmlns:a16="http://schemas.microsoft.com/office/drawing/2014/main" id="{E8DB6D77-11FF-4B3D-B64A-8673E368ABE0}"/>
                 </a:ext>
               </a:extLst>
             </p:cNvPr>
@@ -27876,7 +28145,7 @@
             <p:cNvPr id="4" name="直接连接符 3">
               <a:extLst>
                 <a:ext uri="{FF2B5EF4-FFF2-40B4-BE49-F238E27FC236}">
-                  <a16:creationId xmlns:a16="http://schemas.microsoft.com/office/drawing/2014/main" xmlns="" id="{35F2312A-767F-4F93-A531-D2A481F50F08}"/>
+                  <a16:creationId xmlns="" xmlns:a16="http://schemas.microsoft.com/office/drawing/2014/main" id="{35F2312A-767F-4F93-A531-D2A481F50F08}"/>
                 </a:ext>
               </a:extLst>
             </p:cNvPr>
@@ -27917,7 +28186,7 @@
             <p:cNvPr id="5" name="直接连接符 4">
               <a:extLst>
                 <a:ext uri="{FF2B5EF4-FFF2-40B4-BE49-F238E27FC236}">
-                  <a16:creationId xmlns:a16="http://schemas.microsoft.com/office/drawing/2014/main" xmlns="" id="{811CD831-3AD1-4CC1-B737-C0F22E773639}"/>
+                  <a16:creationId xmlns="" xmlns:a16="http://schemas.microsoft.com/office/drawing/2014/main" id="{811CD831-3AD1-4CC1-B737-C0F22E773639}"/>
                 </a:ext>
               </a:extLst>
             </p:cNvPr>
@@ -28200,7 +28469,7 @@
           <p:cNvPr id="12" name="组合 11">
             <a:extLst>
               <a:ext uri="{FF2B5EF4-FFF2-40B4-BE49-F238E27FC236}">
-                <a16:creationId xmlns="" xmlns:a16="http://schemas.microsoft.com/office/drawing/2014/main" id="{D6000263-E9DD-4AC7-A616-C0C246340DFE}"/>
+                <a16:creationId xmlns:a16="http://schemas.microsoft.com/office/drawing/2014/main" xmlns="" id="{D6000263-E9DD-4AC7-A616-C0C246340DFE}"/>
               </a:ext>
             </a:extLst>
           </p:cNvPr>
@@ -28220,7 +28489,7 @@
             <p:cNvPr id="16" name="PA_文本框 29">
               <a:extLst>
                 <a:ext uri="{FF2B5EF4-FFF2-40B4-BE49-F238E27FC236}">
-                  <a16:creationId xmlns="" xmlns:a16="http://schemas.microsoft.com/office/drawing/2014/main" id="{3D504F59-BEDB-4DA9-9210-81BA2501E694}"/>
+                  <a16:creationId xmlns:a16="http://schemas.microsoft.com/office/drawing/2014/main" xmlns="" id="{3D504F59-BEDB-4DA9-9210-81BA2501E694}"/>
                 </a:ext>
               </a:extLst>
             </p:cNvPr>
@@ -28268,7 +28537,7 @@
             <p:cNvPr id="17" name="PA_文本框 11">
               <a:extLst>
                 <a:ext uri="{FF2B5EF4-FFF2-40B4-BE49-F238E27FC236}">
-                  <a16:creationId xmlns="" xmlns:a16="http://schemas.microsoft.com/office/drawing/2014/main" id="{15144238-EF41-4A3E-89DB-603B09422A17}"/>
+                  <a16:creationId xmlns:a16="http://schemas.microsoft.com/office/drawing/2014/main" xmlns="" id="{15144238-EF41-4A3E-89DB-603B09422A17}"/>
                 </a:ext>
               </a:extLst>
             </p:cNvPr>
@@ -28560,7 +28829,7 @@
           <p:cNvPr id="37" name="组合 36">
             <a:extLst>
               <a:ext uri="{FF2B5EF4-FFF2-40B4-BE49-F238E27FC236}">
-                <a16:creationId xmlns="" xmlns:a16="http://schemas.microsoft.com/office/drawing/2014/main" id="{1EA74151-B893-4E33-ADE9-4F92B7FA943A}"/>
+                <a16:creationId xmlns:a16="http://schemas.microsoft.com/office/drawing/2014/main" xmlns="" id="{1EA74151-B893-4E33-ADE9-4F92B7FA943A}"/>
               </a:ext>
             </a:extLst>
           </p:cNvPr>
@@ -28580,7 +28849,7 @@
             <p:cNvPr id="38" name="MH_Entry_1">
               <a:extLst>
                 <a:ext uri="{FF2B5EF4-FFF2-40B4-BE49-F238E27FC236}">
-                  <a16:creationId xmlns="" xmlns:a16="http://schemas.microsoft.com/office/drawing/2014/main" id="{E8DB6D77-11FF-4B3D-B64A-8673E368ABE0}"/>
+                  <a16:creationId xmlns:a16="http://schemas.microsoft.com/office/drawing/2014/main" xmlns="" id="{E8DB6D77-11FF-4B3D-B64A-8673E368ABE0}"/>
                 </a:ext>
               </a:extLst>
             </p:cNvPr>
@@ -28822,7 +29091,7 @@
             <p:cNvPr id="39" name="直接连接符 3">
               <a:extLst>
                 <a:ext uri="{FF2B5EF4-FFF2-40B4-BE49-F238E27FC236}">
-                  <a16:creationId xmlns="" xmlns:a16="http://schemas.microsoft.com/office/drawing/2014/main" id="{35F2312A-767F-4F93-A531-D2A481F50F08}"/>
+                  <a16:creationId xmlns:a16="http://schemas.microsoft.com/office/drawing/2014/main" xmlns="" id="{35F2312A-767F-4F93-A531-D2A481F50F08}"/>
                 </a:ext>
               </a:extLst>
             </p:cNvPr>
@@ -28863,7 +29132,7 @@
             <p:cNvPr id="40" name="直接连接符 4">
               <a:extLst>
                 <a:ext uri="{FF2B5EF4-FFF2-40B4-BE49-F238E27FC236}">
-                  <a16:creationId xmlns="" xmlns:a16="http://schemas.microsoft.com/office/drawing/2014/main" id="{811CD831-3AD1-4CC1-B737-C0F22E773639}"/>
+                  <a16:creationId xmlns:a16="http://schemas.microsoft.com/office/drawing/2014/main" xmlns="" id="{811CD831-3AD1-4CC1-B737-C0F22E773639}"/>
                 </a:ext>
               </a:extLst>
             </p:cNvPr>
@@ -29509,7 +29778,7 @@
           <p:cNvPr id="37" name="组合 36">
             <a:extLst>
               <a:ext uri="{FF2B5EF4-FFF2-40B4-BE49-F238E27FC236}">
-                <a16:creationId xmlns="" xmlns:a16="http://schemas.microsoft.com/office/drawing/2014/main" id="{1EA74151-B893-4E33-ADE9-4F92B7FA943A}"/>
+                <a16:creationId xmlns:a16="http://schemas.microsoft.com/office/drawing/2014/main" xmlns="" id="{1EA74151-B893-4E33-ADE9-4F92B7FA943A}"/>
               </a:ext>
             </a:extLst>
           </p:cNvPr>
@@ -29529,7 +29798,7 @@
             <p:cNvPr id="38" name="MH_Entry_1">
               <a:extLst>
                 <a:ext uri="{FF2B5EF4-FFF2-40B4-BE49-F238E27FC236}">
-                  <a16:creationId xmlns="" xmlns:a16="http://schemas.microsoft.com/office/drawing/2014/main" id="{E8DB6D77-11FF-4B3D-B64A-8673E368ABE0}"/>
+                  <a16:creationId xmlns:a16="http://schemas.microsoft.com/office/drawing/2014/main" xmlns="" id="{E8DB6D77-11FF-4B3D-B64A-8673E368ABE0}"/>
                 </a:ext>
               </a:extLst>
             </p:cNvPr>
@@ -29771,7 +30040,7 @@
             <p:cNvPr id="39" name="直接连接符 3">
               <a:extLst>
                 <a:ext uri="{FF2B5EF4-FFF2-40B4-BE49-F238E27FC236}">
-                  <a16:creationId xmlns="" xmlns:a16="http://schemas.microsoft.com/office/drawing/2014/main" id="{35F2312A-767F-4F93-A531-D2A481F50F08}"/>
+                  <a16:creationId xmlns:a16="http://schemas.microsoft.com/office/drawing/2014/main" xmlns="" id="{35F2312A-767F-4F93-A531-D2A481F50F08}"/>
                 </a:ext>
               </a:extLst>
             </p:cNvPr>
@@ -29812,7 +30081,7 @@
             <p:cNvPr id="40" name="直接连接符 4">
               <a:extLst>
                 <a:ext uri="{FF2B5EF4-FFF2-40B4-BE49-F238E27FC236}">
-                  <a16:creationId xmlns="" xmlns:a16="http://schemas.microsoft.com/office/drawing/2014/main" id="{811CD831-3AD1-4CC1-B737-C0F22E773639}"/>
+                  <a16:creationId xmlns:a16="http://schemas.microsoft.com/office/drawing/2014/main" xmlns="" id="{811CD831-3AD1-4CC1-B737-C0F22E773639}"/>
                 </a:ext>
               </a:extLst>
             </p:cNvPr>
@@ -29972,7 +30241,7 @@
           <p:cNvPr id="37" name="组合 36">
             <a:extLst>
               <a:ext uri="{FF2B5EF4-FFF2-40B4-BE49-F238E27FC236}">
-                <a16:creationId xmlns="" xmlns:a16="http://schemas.microsoft.com/office/drawing/2014/main" id="{1EA74151-B893-4E33-ADE9-4F92B7FA943A}"/>
+                <a16:creationId xmlns:a16="http://schemas.microsoft.com/office/drawing/2014/main" xmlns="" id="{1EA74151-B893-4E33-ADE9-4F92B7FA943A}"/>
               </a:ext>
             </a:extLst>
           </p:cNvPr>
@@ -29992,7 +30261,7 @@
             <p:cNvPr id="38" name="MH_Entry_1">
               <a:extLst>
                 <a:ext uri="{FF2B5EF4-FFF2-40B4-BE49-F238E27FC236}">
-                  <a16:creationId xmlns="" xmlns:a16="http://schemas.microsoft.com/office/drawing/2014/main" id="{E8DB6D77-11FF-4B3D-B64A-8673E368ABE0}"/>
+                  <a16:creationId xmlns:a16="http://schemas.microsoft.com/office/drawing/2014/main" xmlns="" id="{E8DB6D77-11FF-4B3D-B64A-8673E368ABE0}"/>
                 </a:ext>
               </a:extLst>
             </p:cNvPr>
@@ -30234,7 +30503,7 @@
             <p:cNvPr id="39" name="直接连接符 3">
               <a:extLst>
                 <a:ext uri="{FF2B5EF4-FFF2-40B4-BE49-F238E27FC236}">
-                  <a16:creationId xmlns="" xmlns:a16="http://schemas.microsoft.com/office/drawing/2014/main" id="{35F2312A-767F-4F93-A531-D2A481F50F08}"/>
+                  <a16:creationId xmlns:a16="http://schemas.microsoft.com/office/drawing/2014/main" xmlns="" id="{35F2312A-767F-4F93-A531-D2A481F50F08}"/>
                 </a:ext>
               </a:extLst>
             </p:cNvPr>
@@ -30275,7 +30544,7 @@
             <p:cNvPr id="40" name="直接连接符 4">
               <a:extLst>
                 <a:ext uri="{FF2B5EF4-FFF2-40B4-BE49-F238E27FC236}">
-                  <a16:creationId xmlns="" xmlns:a16="http://schemas.microsoft.com/office/drawing/2014/main" id="{811CD831-3AD1-4CC1-B737-C0F22E773639}"/>
+                  <a16:creationId xmlns:a16="http://schemas.microsoft.com/office/drawing/2014/main" xmlns="" id="{811CD831-3AD1-4CC1-B737-C0F22E773639}"/>
                 </a:ext>
               </a:extLst>
             </p:cNvPr>
@@ -31535,7 +31804,7 @@
           <p:cNvPr id="16" name="组合 15">
             <a:extLst>
               <a:ext uri="{FF2B5EF4-FFF2-40B4-BE49-F238E27FC236}">
-                <a16:creationId xmlns="" xmlns:a16="http://schemas.microsoft.com/office/drawing/2014/main" id="{3E9B3F58-5D35-423A-AE81-338DB6A3F7B9}"/>
+                <a16:creationId xmlns:a16="http://schemas.microsoft.com/office/drawing/2014/main" xmlns="" id="{3E9B3F58-5D35-423A-AE81-338DB6A3F7B9}"/>
               </a:ext>
             </a:extLst>
           </p:cNvPr>
@@ -31555,7 +31824,7 @@
             <p:cNvPr id="17" name="MH_Entry_1">
               <a:extLst>
                 <a:ext uri="{FF2B5EF4-FFF2-40B4-BE49-F238E27FC236}">
-                  <a16:creationId xmlns="" xmlns:a16="http://schemas.microsoft.com/office/drawing/2014/main" id="{0DD9D032-160B-42DF-9F3D-1A5D9FCC264F}"/>
+                  <a16:creationId xmlns:a16="http://schemas.microsoft.com/office/drawing/2014/main" xmlns="" id="{0DD9D032-160B-42DF-9F3D-1A5D9FCC264F}"/>
                 </a:ext>
               </a:extLst>
             </p:cNvPr>
@@ -31797,7 +32066,7 @@
             <p:cNvPr id="19" name="直接连接符 3">
               <a:extLst>
                 <a:ext uri="{FF2B5EF4-FFF2-40B4-BE49-F238E27FC236}">
-                  <a16:creationId xmlns="" xmlns:a16="http://schemas.microsoft.com/office/drawing/2014/main" id="{8F04B22D-D315-477D-8C35-C835A287BADF}"/>
+                  <a16:creationId xmlns:a16="http://schemas.microsoft.com/office/drawing/2014/main" xmlns="" id="{8F04B22D-D315-477D-8C35-C835A287BADF}"/>
                 </a:ext>
               </a:extLst>
             </p:cNvPr>
@@ -31838,7 +32107,7 @@
             <p:cNvPr id="20" name="直接连接符 4">
               <a:extLst>
                 <a:ext uri="{FF2B5EF4-FFF2-40B4-BE49-F238E27FC236}">
-                  <a16:creationId xmlns="" xmlns:a16="http://schemas.microsoft.com/office/drawing/2014/main" id="{2AF0B83B-B946-41C7-9A2C-8C12099FA3F5}"/>
+                  <a16:creationId xmlns:a16="http://schemas.microsoft.com/office/drawing/2014/main" xmlns="" id="{2AF0B83B-B946-41C7-9A2C-8C12099FA3F5}"/>
                 </a:ext>
               </a:extLst>
             </p:cNvPr>
@@ -32771,7 +33040,7 @@
           <p:cNvPr id="2" name="图片 1">
             <a:extLst>
               <a:ext uri="{FF2B5EF4-FFF2-40B4-BE49-F238E27FC236}">
-                <a16:creationId xmlns:a16="http://schemas.microsoft.com/office/drawing/2014/main" xmlns="" id="{53E63866-0D49-43BC-983E-C600FBB6587E}"/>
+                <a16:creationId xmlns="" xmlns:a16="http://schemas.microsoft.com/office/drawing/2014/main" id="{53E63866-0D49-43BC-983E-C600FBB6587E}"/>
               </a:ext>
             </a:extLst>
           </p:cNvPr>
@@ -32801,7 +33070,7 @@
           <p:cNvPr id="8" name="文本框 7">
             <a:extLst>
               <a:ext uri="{FF2B5EF4-FFF2-40B4-BE49-F238E27FC236}">
-                <a16:creationId xmlns:a16="http://schemas.microsoft.com/office/drawing/2014/main" xmlns="" id="{04208ECA-E340-43FB-AFE2-D91D6513CB10}"/>
+                <a16:creationId xmlns="" xmlns:a16="http://schemas.microsoft.com/office/drawing/2014/main" id="{04208ECA-E340-43FB-AFE2-D91D6513CB10}"/>
               </a:ext>
             </a:extLst>
           </p:cNvPr>
@@ -32839,7 +33108,7 @@
           <p:cNvPr id="16" name="组合 15">
             <a:extLst>
               <a:ext uri="{FF2B5EF4-FFF2-40B4-BE49-F238E27FC236}">
-                <a16:creationId xmlns:a16="http://schemas.microsoft.com/office/drawing/2014/main" xmlns="" id="{E91B9790-859E-4551-9767-82C8E39A1D3F}"/>
+                <a16:creationId xmlns="" xmlns:a16="http://schemas.microsoft.com/office/drawing/2014/main" id="{E91B9790-859E-4551-9767-82C8E39A1D3F}"/>
               </a:ext>
             </a:extLst>
           </p:cNvPr>
@@ -32859,7 +33128,7 @@
             <p:cNvPr id="17" name="MH_Entry_1">
               <a:extLst>
                 <a:ext uri="{FF2B5EF4-FFF2-40B4-BE49-F238E27FC236}">
-                  <a16:creationId xmlns:a16="http://schemas.microsoft.com/office/drawing/2014/main" xmlns="" id="{3EA6CCAA-D534-4427-9CD2-99406F1DD94C}"/>
+                  <a16:creationId xmlns="" xmlns:a16="http://schemas.microsoft.com/office/drawing/2014/main" id="{3EA6CCAA-D534-4427-9CD2-99406F1DD94C}"/>
                 </a:ext>
               </a:extLst>
             </p:cNvPr>
@@ -33101,7 +33370,7 @@
             <p:cNvPr id="18" name="直接连接符 3">
               <a:extLst>
                 <a:ext uri="{FF2B5EF4-FFF2-40B4-BE49-F238E27FC236}">
-                  <a16:creationId xmlns:a16="http://schemas.microsoft.com/office/drawing/2014/main" xmlns="" id="{616A7946-B564-41CA-89F3-BFBBB2840685}"/>
+                  <a16:creationId xmlns="" xmlns:a16="http://schemas.microsoft.com/office/drawing/2014/main" id="{616A7946-B564-41CA-89F3-BFBBB2840685}"/>
                 </a:ext>
               </a:extLst>
             </p:cNvPr>
@@ -33142,7 +33411,7 @@
             <p:cNvPr id="19" name="直接连接符 4">
               <a:extLst>
                 <a:ext uri="{FF2B5EF4-FFF2-40B4-BE49-F238E27FC236}">
-                  <a16:creationId xmlns:a16="http://schemas.microsoft.com/office/drawing/2014/main" xmlns="" id="{B8ED999C-ED27-4131-B5DD-1B4CEE357823}"/>
+                  <a16:creationId xmlns="" xmlns:a16="http://schemas.microsoft.com/office/drawing/2014/main" id="{B8ED999C-ED27-4131-B5DD-1B4CEE357823}"/>
                 </a:ext>
               </a:extLst>
             </p:cNvPr>
@@ -33184,7 +33453,7 @@
           <p:cNvPr id="7" name="图片 6">
             <a:extLst>
               <a:ext uri="{FF2B5EF4-FFF2-40B4-BE49-F238E27FC236}">
-                <a16:creationId xmlns:a16="http://schemas.microsoft.com/office/drawing/2014/main" xmlns="" id="{8A3C544E-BE12-411C-8B00-8F69554968C5}"/>
+                <a16:creationId xmlns="" xmlns:a16="http://schemas.microsoft.com/office/drawing/2014/main" id="{8A3C544E-BE12-411C-8B00-8F69554968C5}"/>
               </a:ext>
             </a:extLst>
           </p:cNvPr>
@@ -33214,7 +33483,7 @@
           <p:cNvPr id="9" name="组合 8">
             <a:extLst>
               <a:ext uri="{FF2B5EF4-FFF2-40B4-BE49-F238E27FC236}">
-                <a16:creationId xmlns:a16="http://schemas.microsoft.com/office/drawing/2014/main" xmlns="" id="{71DF1663-4E2F-44D7-B829-74C7216E8EBD}"/>
+                <a16:creationId xmlns="" xmlns:a16="http://schemas.microsoft.com/office/drawing/2014/main" id="{71DF1663-4E2F-44D7-B829-74C7216E8EBD}"/>
               </a:ext>
             </a:extLst>
           </p:cNvPr>
@@ -33234,7 +33503,7 @@
             <p:cNvPr id="4" name="文本框 3">
               <a:extLst>
                 <a:ext uri="{FF2B5EF4-FFF2-40B4-BE49-F238E27FC236}">
-                  <a16:creationId xmlns:a16="http://schemas.microsoft.com/office/drawing/2014/main" xmlns="" id="{A9A51735-731F-41DD-883B-9814AF061B2B}"/>
+                  <a16:creationId xmlns="" xmlns:a16="http://schemas.microsoft.com/office/drawing/2014/main" id="{A9A51735-731F-41DD-883B-9814AF061B2B}"/>
                 </a:ext>
               </a:extLst>
             </p:cNvPr>
@@ -33282,7 +33551,7 @@
             <p:cNvPr id="22" name="文本框 21">
               <a:extLst>
                 <a:ext uri="{FF2B5EF4-FFF2-40B4-BE49-F238E27FC236}">
-                  <a16:creationId xmlns:a16="http://schemas.microsoft.com/office/drawing/2014/main" xmlns="" id="{B9EB58A0-1F01-4111-9C35-49EE5B985006}"/>
+                  <a16:creationId xmlns="" xmlns:a16="http://schemas.microsoft.com/office/drawing/2014/main" id="{B9EB58A0-1F01-4111-9C35-49EE5B985006}"/>
                 </a:ext>
               </a:extLst>
             </p:cNvPr>
@@ -33351,7 +33620,7 @@
             <p:cNvPr id="23" name="文本框 22">
               <a:extLst>
                 <a:ext uri="{FF2B5EF4-FFF2-40B4-BE49-F238E27FC236}">
-                  <a16:creationId xmlns:a16="http://schemas.microsoft.com/office/drawing/2014/main" xmlns="" id="{D041B95C-A37D-4C7D-B067-733C54F223DF}"/>
+                  <a16:creationId xmlns="" xmlns:a16="http://schemas.microsoft.com/office/drawing/2014/main" id="{D041B95C-A37D-4C7D-B067-733C54F223DF}"/>
                 </a:ext>
               </a:extLst>
             </p:cNvPr>
@@ -33476,7 +33745,7 @@
           <p:cNvPr id="2" name="矩形 1">
             <a:extLst>
               <a:ext uri="{FF2B5EF4-FFF2-40B4-BE49-F238E27FC236}">
-                <a16:creationId xmlns:a16="http://schemas.microsoft.com/office/drawing/2014/main" xmlns="" id="{69D86ADA-592D-4BA5-B0F7-CDD82909CF2F}"/>
+                <a16:creationId xmlns="" xmlns:a16="http://schemas.microsoft.com/office/drawing/2014/main" id="{69D86ADA-592D-4BA5-B0F7-CDD82909CF2F}"/>
               </a:ext>
             </a:extLst>
           </p:cNvPr>
@@ -33528,7 +33797,7 @@
           <p:cNvPr id="35" name="组合 34">
             <a:extLst>
               <a:ext uri="{FF2B5EF4-FFF2-40B4-BE49-F238E27FC236}">
-                <a16:creationId xmlns:a16="http://schemas.microsoft.com/office/drawing/2014/main" xmlns="" id="{241F6EED-51C1-4BC7-AB38-2FEC7F6C0A4B}"/>
+                <a16:creationId xmlns="" xmlns:a16="http://schemas.microsoft.com/office/drawing/2014/main" id="{241F6EED-51C1-4BC7-AB38-2FEC7F6C0A4B}"/>
               </a:ext>
             </a:extLst>
           </p:cNvPr>
@@ -33548,7 +33817,7 @@
             <p:cNvPr id="38" name="MH_Entry_1">
               <a:extLst>
                 <a:ext uri="{FF2B5EF4-FFF2-40B4-BE49-F238E27FC236}">
-                  <a16:creationId xmlns:a16="http://schemas.microsoft.com/office/drawing/2014/main" xmlns="" id="{9BFBB467-D2B1-4C42-B0C3-FCF7C3624E4D}"/>
+                  <a16:creationId xmlns="" xmlns:a16="http://schemas.microsoft.com/office/drawing/2014/main" id="{9BFBB467-D2B1-4C42-B0C3-FCF7C3624E4D}"/>
                 </a:ext>
               </a:extLst>
             </p:cNvPr>
@@ -33790,7 +34059,7 @@
             <p:cNvPr id="39" name="直接连接符 3">
               <a:extLst>
                 <a:ext uri="{FF2B5EF4-FFF2-40B4-BE49-F238E27FC236}">
-                  <a16:creationId xmlns:a16="http://schemas.microsoft.com/office/drawing/2014/main" xmlns="" id="{B36EA434-2DE6-49FD-B5B1-960F9FFF4446}"/>
+                  <a16:creationId xmlns="" xmlns:a16="http://schemas.microsoft.com/office/drawing/2014/main" id="{B36EA434-2DE6-49FD-B5B1-960F9FFF4446}"/>
                 </a:ext>
               </a:extLst>
             </p:cNvPr>
@@ -33831,7 +34100,7 @@
             <p:cNvPr id="40" name="直接连接符 4">
               <a:extLst>
                 <a:ext uri="{FF2B5EF4-FFF2-40B4-BE49-F238E27FC236}">
-                  <a16:creationId xmlns:a16="http://schemas.microsoft.com/office/drawing/2014/main" xmlns="" id="{8285E52C-8BF9-4109-AC88-146C5DE37124}"/>
+                  <a16:creationId xmlns="" xmlns:a16="http://schemas.microsoft.com/office/drawing/2014/main" id="{8285E52C-8BF9-4109-AC88-146C5DE37124}"/>
                 </a:ext>
               </a:extLst>
             </p:cNvPr>
@@ -33873,7 +34142,7 @@
           <p:cNvPr id="4" name="文本框 3">
             <a:extLst>
               <a:ext uri="{FF2B5EF4-FFF2-40B4-BE49-F238E27FC236}">
-                <a16:creationId xmlns:a16="http://schemas.microsoft.com/office/drawing/2014/main" xmlns="" id="{C639E7F7-6F92-4690-8A10-608C772D9855}"/>
+                <a16:creationId xmlns="" xmlns:a16="http://schemas.microsoft.com/office/drawing/2014/main" id="{C639E7F7-6F92-4690-8A10-608C772D9855}"/>
               </a:ext>
             </a:extLst>
           </p:cNvPr>
@@ -33950,7 +34219,7 @@
           <p:cNvPr id="5" name="图片 4">
             <a:extLst>
               <a:ext uri="{FF2B5EF4-FFF2-40B4-BE49-F238E27FC236}">
-                <a16:creationId xmlns:a16="http://schemas.microsoft.com/office/drawing/2014/main" xmlns="" id="{B3E51C79-5ACB-4C14-A56F-EF49EFF563F6}"/>
+                <a16:creationId xmlns="" xmlns:a16="http://schemas.microsoft.com/office/drawing/2014/main" id="{B3E51C79-5ACB-4C14-A56F-EF49EFF563F6}"/>
               </a:ext>
             </a:extLst>
           </p:cNvPr>
@@ -33980,7 +34249,7 @@
           <p:cNvPr id="11" name="组合 10">
             <a:extLst>
               <a:ext uri="{FF2B5EF4-FFF2-40B4-BE49-F238E27FC236}">
-                <a16:creationId xmlns:a16="http://schemas.microsoft.com/office/drawing/2014/main" xmlns="" id="{724CF32C-7A4F-41C1-903D-4DC6E73C9EA1}"/>
+                <a16:creationId xmlns="" xmlns:a16="http://schemas.microsoft.com/office/drawing/2014/main" id="{724CF32C-7A4F-41C1-903D-4DC6E73C9EA1}"/>
               </a:ext>
             </a:extLst>
           </p:cNvPr>
@@ -34000,7 +34269,7 @@
             <p:cNvPr id="6" name="箭头: 虚尾 5">
               <a:extLst>
                 <a:ext uri="{FF2B5EF4-FFF2-40B4-BE49-F238E27FC236}">
-                  <a16:creationId xmlns:a16="http://schemas.microsoft.com/office/drawing/2014/main" xmlns="" id="{B57A529F-3C52-43B1-87CB-28E17A554DB8}"/>
+                  <a16:creationId xmlns="" xmlns:a16="http://schemas.microsoft.com/office/drawing/2014/main" id="{B57A529F-3C52-43B1-87CB-28E17A554DB8}"/>
                 </a:ext>
               </a:extLst>
             </p:cNvPr>
@@ -34054,7 +34323,7 @@
             <p:cNvPr id="10" name="组合 9">
               <a:extLst>
                 <a:ext uri="{FF2B5EF4-FFF2-40B4-BE49-F238E27FC236}">
-                  <a16:creationId xmlns:a16="http://schemas.microsoft.com/office/drawing/2014/main" xmlns="" id="{8DF7E162-048C-4D34-8CA6-ABFE5F02A79C}"/>
+                  <a16:creationId xmlns="" xmlns:a16="http://schemas.microsoft.com/office/drawing/2014/main" id="{8DF7E162-048C-4D34-8CA6-ABFE5F02A79C}"/>
                 </a:ext>
               </a:extLst>
             </p:cNvPr>
@@ -34074,7 +34343,7 @@
               <p:cNvPr id="7" name="图片 6">
                 <a:extLst>
                   <a:ext uri="{FF2B5EF4-FFF2-40B4-BE49-F238E27FC236}">
-                    <a16:creationId xmlns:a16="http://schemas.microsoft.com/office/drawing/2014/main" xmlns="" id="{6E4F6A7F-7385-4A36-8C71-C1C72EC1ABD6}"/>
+                    <a16:creationId xmlns="" xmlns:a16="http://schemas.microsoft.com/office/drawing/2014/main" id="{6E4F6A7F-7385-4A36-8C71-C1C72EC1ABD6}"/>
                   </a:ext>
                 </a:extLst>
               </p:cNvPr>
@@ -34104,7 +34373,7 @@
               <p:cNvPr id="8" name="图片 7">
                 <a:extLst>
                   <a:ext uri="{FF2B5EF4-FFF2-40B4-BE49-F238E27FC236}">
-                    <a16:creationId xmlns:a16="http://schemas.microsoft.com/office/drawing/2014/main" xmlns="" id="{4AB362CD-C56C-4794-ABD9-0E7604D138E1}"/>
+                    <a16:creationId xmlns="" xmlns:a16="http://schemas.microsoft.com/office/drawing/2014/main" id="{4AB362CD-C56C-4794-ABD9-0E7604D138E1}"/>
                   </a:ext>
                 </a:extLst>
               </p:cNvPr>
@@ -34136,7 +34405,7 @@
           <p:cNvPr id="36" name="矩形 35">
             <a:extLst>
               <a:ext uri="{FF2B5EF4-FFF2-40B4-BE49-F238E27FC236}">
-                <a16:creationId xmlns:a16="http://schemas.microsoft.com/office/drawing/2014/main" xmlns="" id="{6466CA70-9962-43DD-912C-CF2EFF01B02F}"/>
+                <a16:creationId xmlns="" xmlns:a16="http://schemas.microsoft.com/office/drawing/2014/main" id="{6466CA70-9962-43DD-912C-CF2EFF01B02F}"/>
               </a:ext>
             </a:extLst>
           </p:cNvPr>
@@ -34191,7 +34460,7 @@
           <p:cNvPr id="3" name="组合 2">
             <a:extLst>
               <a:ext uri="{FF2B5EF4-FFF2-40B4-BE49-F238E27FC236}">
-                <a16:creationId xmlns:a16="http://schemas.microsoft.com/office/drawing/2014/main" xmlns="" id="{ECEE18EA-28B2-421F-8E86-873BABAE6291}"/>
+                <a16:creationId xmlns="" xmlns:a16="http://schemas.microsoft.com/office/drawing/2014/main" id="{ECEE18EA-28B2-421F-8E86-873BABAE6291}"/>
               </a:ext>
             </a:extLst>
           </p:cNvPr>
@@ -34211,7 +34480,7 @@
             <p:cNvPr id="16" name="标注: 双弯曲线形 15">
               <a:extLst>
                 <a:ext uri="{FF2B5EF4-FFF2-40B4-BE49-F238E27FC236}">
-                  <a16:creationId xmlns:a16="http://schemas.microsoft.com/office/drawing/2014/main" xmlns="" id="{B581CE54-EB62-4F88-A155-F85BC36E89A1}"/>
+                  <a16:creationId xmlns="" xmlns:a16="http://schemas.microsoft.com/office/drawing/2014/main" id="{B581CE54-EB62-4F88-A155-F85BC36E89A1}"/>
                 </a:ext>
               </a:extLst>
             </p:cNvPr>
@@ -34281,7 +34550,7 @@
                 <p:cNvPr id="18" name="文本框 17">
                   <a:extLst>
                     <a:ext uri="{FF2B5EF4-FFF2-40B4-BE49-F238E27FC236}">
-                      <a16:creationId xmlns:a16="http://schemas.microsoft.com/office/drawing/2014/main" xmlns="" id="{FE751B0C-41F0-4232-B9F2-5AED815BE7CB}"/>
+                      <a16:creationId xmlns="" xmlns:a16="http://schemas.microsoft.com/office/drawing/2014/main" id="{FE751B0C-41F0-4232-B9F2-5AED815BE7CB}"/>
                     </a:ext>
                   </a:extLst>
                 </p:cNvPr>
@@ -34620,7 +34889,7 @@
           <p:cNvPr id="9" name="组合 8">
             <a:extLst>
               <a:ext uri="{FF2B5EF4-FFF2-40B4-BE49-F238E27FC236}">
-                <a16:creationId xmlns:a16="http://schemas.microsoft.com/office/drawing/2014/main" xmlns="" id="{6DBF0D5E-ABE4-4A53-83C3-A873A8F0249A}"/>
+                <a16:creationId xmlns="" xmlns:a16="http://schemas.microsoft.com/office/drawing/2014/main" id="{6DBF0D5E-ABE4-4A53-83C3-A873A8F0249A}"/>
               </a:ext>
             </a:extLst>
           </p:cNvPr>
@@ -34640,7 +34909,7 @@
             <p:cNvPr id="19" name="标注: 弯曲线形 18">
               <a:extLst>
                 <a:ext uri="{FF2B5EF4-FFF2-40B4-BE49-F238E27FC236}">
-                  <a16:creationId xmlns:a16="http://schemas.microsoft.com/office/drawing/2014/main" xmlns="" id="{2E6C8D1C-BA37-40AA-8213-98CB3C9B98C9}"/>
+                  <a16:creationId xmlns="" xmlns:a16="http://schemas.microsoft.com/office/drawing/2014/main" id="{2E6C8D1C-BA37-40AA-8213-98CB3C9B98C9}"/>
                 </a:ext>
               </a:extLst>
             </p:cNvPr>
@@ -34702,7 +34971,7 @@
             <p:cNvPr id="20" name="文本框 19">
               <a:extLst>
                 <a:ext uri="{FF2B5EF4-FFF2-40B4-BE49-F238E27FC236}">
-                  <a16:creationId xmlns:a16="http://schemas.microsoft.com/office/drawing/2014/main" xmlns="" id="{828DB75A-C4A8-43A4-83A9-33D2A837D8D2}"/>
+                  <a16:creationId xmlns="" xmlns:a16="http://schemas.microsoft.com/office/drawing/2014/main" id="{828DB75A-C4A8-43A4-83A9-33D2A837D8D2}"/>
                 </a:ext>
               </a:extLst>
             </p:cNvPr>
@@ -34744,7 +35013,7 @@
             <p:cNvPr id="21" name="箭头: 虚尾 20">
               <a:extLst>
                 <a:ext uri="{FF2B5EF4-FFF2-40B4-BE49-F238E27FC236}">
-                  <a16:creationId xmlns:a16="http://schemas.microsoft.com/office/drawing/2014/main" xmlns="" id="{AA9CFEB4-640B-454B-98E4-750E7DA4C340}"/>
+                  <a16:creationId xmlns="" xmlns:a16="http://schemas.microsoft.com/office/drawing/2014/main" id="{AA9CFEB4-640B-454B-98E4-750E7DA4C340}"/>
                 </a:ext>
               </a:extLst>
             </p:cNvPr>
@@ -34798,7 +35067,7 @@
             <p:cNvPr id="22" name="图片 21">
               <a:extLst>
                 <a:ext uri="{FF2B5EF4-FFF2-40B4-BE49-F238E27FC236}">
-                  <a16:creationId xmlns:a16="http://schemas.microsoft.com/office/drawing/2014/main" xmlns="" id="{F65F9E6C-2235-4529-8F11-C59E6995FC99}"/>
+                  <a16:creationId xmlns="" xmlns:a16="http://schemas.microsoft.com/office/drawing/2014/main" id="{F65F9E6C-2235-4529-8F11-C59E6995FC99}"/>
                 </a:ext>
               </a:extLst>
             </p:cNvPr>
